--- a/doc/scrum/scrum2/scurm 3.pptx
+++ b/doc/scrum/scrum2/scurm 3.pptx
@@ -6,10 +6,19 @@
   </p:sldMasterIdLst>
   <p:sldIdLst>
     <p:sldId id="256" r:id="rId2"/>
-    <p:sldId id="257" r:id="rId3"/>
-    <p:sldId id="258" r:id="rId4"/>
-    <p:sldId id="259" r:id="rId5"/>
-    <p:sldId id="260" r:id="rId6"/>
+    <p:sldId id="261" r:id="rId3"/>
+    <p:sldId id="266" r:id="rId4"/>
+    <p:sldId id="258" r:id="rId5"/>
+    <p:sldId id="267" r:id="rId6"/>
+    <p:sldId id="257" r:id="rId7"/>
+    <p:sldId id="270" r:id="rId8"/>
+    <p:sldId id="269" r:id="rId9"/>
+    <p:sldId id="272" r:id="rId10"/>
+    <p:sldId id="273" r:id="rId11"/>
+    <p:sldId id="274" r:id="rId12"/>
+    <p:sldId id="276" r:id="rId13"/>
+    <p:sldId id="271" r:id="rId14"/>
+    <p:sldId id="277" r:id="rId15"/>
   </p:sldIdLst>
   <p:sldSz cx="12192000" cy="6858000"/>
   <p:notesSz cx="6858000" cy="9144000"/>
@@ -685,7 +694,7 @@
           <a:p>
             <a:fld id="{C6FCFE5D-42E7-48FC-8C23-F2EE4FFF9370}" type="datetimeFigureOut">
               <a:rPr lang="th-TH" smtClean="0"/>
-              <a:t>19/04/66</a:t>
+              <a:t>24/04/66</a:t>
             </a:fld>
             <a:endParaRPr lang="th-TH"/>
           </a:p>
@@ -893,7 +902,7 @@
           <a:p>
             <a:fld id="{C6FCFE5D-42E7-48FC-8C23-F2EE4FFF9370}" type="datetimeFigureOut">
               <a:rPr lang="th-TH" smtClean="0"/>
-              <a:t>19/04/66</a:t>
+              <a:t>24/04/66</a:t>
             </a:fld>
             <a:endParaRPr lang="th-TH"/>
           </a:p>
@@ -1149,7 +1158,7 @@
           <a:p>
             <a:fld id="{C6FCFE5D-42E7-48FC-8C23-F2EE4FFF9370}" type="datetimeFigureOut">
               <a:rPr lang="th-TH" smtClean="0"/>
-              <a:t>19/04/66</a:t>
+              <a:t>24/04/66</a:t>
             </a:fld>
             <a:endParaRPr lang="th-TH"/>
           </a:p>
@@ -1323,7 +1332,7 @@
           <a:p>
             <a:fld id="{C6FCFE5D-42E7-48FC-8C23-F2EE4FFF9370}" type="datetimeFigureOut">
               <a:rPr lang="th-TH" smtClean="0"/>
-              <a:t>19/04/66</a:t>
+              <a:t>24/04/66</a:t>
             </a:fld>
             <a:endParaRPr lang="th-TH"/>
           </a:p>
@@ -1666,7 +1675,7 @@
           <a:p>
             <a:fld id="{C6FCFE5D-42E7-48FC-8C23-F2EE4FFF9370}" type="datetimeFigureOut">
               <a:rPr lang="th-TH" smtClean="0"/>
-              <a:t>19/04/66</a:t>
+              <a:t>24/04/66</a:t>
             </a:fld>
             <a:endParaRPr lang="th-TH"/>
           </a:p>
@@ -1941,7 +1950,7 @@
           <a:p>
             <a:fld id="{C6FCFE5D-42E7-48FC-8C23-F2EE4FFF9370}" type="datetimeFigureOut">
               <a:rPr lang="th-TH" smtClean="0"/>
-              <a:t>19/04/66</a:t>
+              <a:t>24/04/66</a:t>
             </a:fld>
             <a:endParaRPr lang="th-TH"/>
           </a:p>
@@ -2320,7 +2329,7 @@
           <a:p>
             <a:fld id="{C6FCFE5D-42E7-48FC-8C23-F2EE4FFF9370}" type="datetimeFigureOut">
               <a:rPr lang="th-TH" smtClean="0"/>
-              <a:t>19/04/66</a:t>
+              <a:t>24/04/66</a:t>
             </a:fld>
             <a:endParaRPr lang="th-TH"/>
           </a:p>
@@ -2438,7 +2447,7 @@
           <a:p>
             <a:fld id="{C6FCFE5D-42E7-48FC-8C23-F2EE4FFF9370}" type="datetimeFigureOut">
               <a:rPr lang="th-TH" smtClean="0"/>
-              <a:t>19/04/66</a:t>
+              <a:t>24/04/66</a:t>
             </a:fld>
             <a:endParaRPr lang="th-TH"/>
           </a:p>
@@ -2609,7 +2618,7 @@
           <a:p>
             <a:fld id="{C6FCFE5D-42E7-48FC-8C23-F2EE4FFF9370}" type="datetimeFigureOut">
               <a:rPr lang="th-TH" smtClean="0"/>
-              <a:t>19/04/66</a:t>
+              <a:t>24/04/66</a:t>
             </a:fld>
             <a:endParaRPr lang="th-TH"/>
           </a:p>
@@ -2963,7 +2972,7 @@
           <a:p>
             <a:fld id="{C6FCFE5D-42E7-48FC-8C23-F2EE4FFF9370}" type="datetimeFigureOut">
               <a:rPr lang="th-TH" smtClean="0"/>
-              <a:t>19/04/66</a:t>
+              <a:t>24/04/66</a:t>
             </a:fld>
             <a:endParaRPr lang="th-TH"/>
           </a:p>
@@ -3345,7 +3354,7 @@
           <a:p>
             <a:fld id="{C6FCFE5D-42E7-48FC-8C23-F2EE4FFF9370}" type="datetimeFigureOut">
               <a:rPr lang="th-TH" smtClean="0"/>
-              <a:t>19/04/66</a:t>
+              <a:t>24/04/66</a:t>
             </a:fld>
             <a:endParaRPr lang="th-TH"/>
           </a:p>
@@ -3632,7 +3641,7 @@
           <a:p>
             <a:fld id="{C6FCFE5D-42E7-48FC-8C23-F2EE4FFF9370}" type="datetimeFigureOut">
               <a:rPr lang="th-TH" smtClean="0"/>
-              <a:t>19/04/66</a:t>
+              <a:t>24/04/66</a:t>
             </a:fld>
             <a:endParaRPr lang="th-TH"/>
           </a:p>
@@ -4242,13 +4251,1316 @@
   <p:clrMapOvr>
     <a:masterClrMapping/>
   </p:clrMapOvr>
-  <mc:AlternateContent xmlns:mc="http://schemas.openxmlformats.org/markup-compatibility/2006" xmlns:p159="http://schemas.microsoft.com/office/powerpoint/2015/09/main">
-    <mc:Choice Requires="p159">
+  <mc:AlternateContent xmlns:mc="http://schemas.openxmlformats.org/markup-compatibility/2006">
+    <mc:Choice xmlns:p159="http://schemas.microsoft.com/office/powerpoint/2015/09/main" Requires="p159">
       <p:transition xmlns:p14="http://schemas.microsoft.com/office/powerpoint/2010/main" spd="slow" p14:dur="2000">
         <p159:morph option="byObject"/>
       </p:transition>
     </mc:Choice>
-    <mc:Fallback xmlns="">
+    <mc:Fallback>
+      <p:transition spd="slow">
+        <p:fade/>
+      </p:transition>
+    </mc:Fallback>
+  </mc:AlternateContent>
+</p:sld>
+</file>
+
+<file path=ppt/slides/slide10.xml><?xml version="1.0" encoding="utf-8"?>
+<p:sld xmlns:a="http://schemas.openxmlformats.org/drawingml/2006/main" xmlns:r="http://schemas.openxmlformats.org/officeDocument/2006/relationships" xmlns:p="http://schemas.openxmlformats.org/presentationml/2006/main">
+  <p:cSld>
+    <p:spTree>
+      <p:nvGrpSpPr>
+        <p:cNvPr id="1" name=""/>
+        <p:cNvGrpSpPr/>
+        <p:nvPr/>
+      </p:nvGrpSpPr>
+      <p:grpSpPr>
+        <a:xfrm>
+          <a:off x="0" y="0"/>
+          <a:ext cx="0" cy="0"/>
+          <a:chOff x="0" y="0"/>
+          <a:chExt cx="0" cy="0"/>
+        </a:xfrm>
+      </p:grpSpPr>
+      <p:sp>
+        <p:nvSpPr>
+          <p:cNvPr id="2" name="Title 1">
+            <a:extLst>
+              <a:ext uri="{FF2B5EF4-FFF2-40B4-BE49-F238E27FC236}">
+                <a16:creationId xmlns:a16="http://schemas.microsoft.com/office/drawing/2014/main" id="{E8C8AB62-852D-C726-8D44-CB3E4E0EE73B}"/>
+              </a:ext>
+            </a:extLst>
+          </p:cNvPr>
+          <p:cNvSpPr>
+            <a:spLocks noGrp="1"/>
+          </p:cNvSpPr>
+          <p:nvPr>
+            <p:ph type="title"/>
+          </p:nvPr>
+        </p:nvSpPr>
+        <p:spPr/>
+        <p:txBody>
+          <a:bodyPr/>
+          <a:lstStyle/>
+          <a:p>
+            <a:r>
+              <a:rPr lang="en-US" dirty="0"/>
+              <a:t>estimate pose</a:t>
+            </a:r>
+            <a:endParaRPr lang="th-TH" dirty="0"/>
+          </a:p>
+        </p:txBody>
+      </p:sp>
+      <p:grpSp>
+        <p:nvGrpSpPr>
+          <p:cNvPr id="13" name="Group 12">
+            <a:extLst>
+              <a:ext uri="{FF2B5EF4-FFF2-40B4-BE49-F238E27FC236}">
+                <a16:creationId xmlns:a16="http://schemas.microsoft.com/office/drawing/2014/main" id="{6F2E6293-872A-719F-D21D-E9061CAB81FD}"/>
+              </a:ext>
+            </a:extLst>
+          </p:cNvPr>
+          <p:cNvGrpSpPr/>
+          <p:nvPr/>
+        </p:nvGrpSpPr>
+        <p:grpSpPr>
+          <a:xfrm>
+            <a:off x="5598368" y="1875453"/>
+            <a:ext cx="4637314" cy="4245428"/>
+            <a:chOff x="4487778" y="520608"/>
+            <a:chExt cx="5843002" cy="5564787"/>
+          </a:xfrm>
+        </p:grpSpPr>
+        <p:pic>
+          <p:nvPicPr>
+            <p:cNvPr id="5" name="Picture 4">
+              <a:extLst>
+                <a:ext uri="{FF2B5EF4-FFF2-40B4-BE49-F238E27FC236}">
+                  <a16:creationId xmlns:a16="http://schemas.microsoft.com/office/drawing/2014/main" id="{B2D14583-3442-BFE5-B366-40B390A86E67}"/>
+                </a:ext>
+              </a:extLst>
+            </p:cNvPr>
+            <p:cNvPicPr>
+              <a:picLocks noChangeAspect="1"/>
+            </p:cNvPicPr>
+            <p:nvPr/>
+          </p:nvPicPr>
+          <p:blipFill rotWithShape="1">
+            <a:blip r:embed="rId2"/>
+            <a:srcRect l="26862" t="12330" r="17821" b="6527"/>
+            <a:stretch/>
+          </p:blipFill>
+          <p:spPr>
+            <a:xfrm>
+              <a:off x="4487778" y="520608"/>
+              <a:ext cx="5843002" cy="5564787"/>
+            </a:xfrm>
+            <a:prstGeom prst="rect">
+              <a:avLst/>
+            </a:prstGeom>
+          </p:spPr>
+        </p:pic>
+        <p:cxnSp>
+          <p:nvCxnSpPr>
+            <p:cNvPr id="9" name="Straight Arrow Connector 8">
+              <a:extLst>
+                <a:ext uri="{FF2B5EF4-FFF2-40B4-BE49-F238E27FC236}">
+                  <a16:creationId xmlns:a16="http://schemas.microsoft.com/office/drawing/2014/main" id="{4A4E6C67-94A7-1BA2-8108-60E57A38E07E}"/>
+                </a:ext>
+              </a:extLst>
+            </p:cNvPr>
+            <p:cNvCxnSpPr>
+              <a:cxnSpLocks/>
+            </p:cNvCxnSpPr>
+            <p:nvPr/>
+          </p:nvCxnSpPr>
+          <p:spPr>
+            <a:xfrm flipH="1">
+              <a:off x="5980922" y="3545632"/>
+              <a:ext cx="1212980" cy="0"/>
+            </a:xfrm>
+            <a:prstGeom prst="straightConnector1">
+              <a:avLst/>
+            </a:prstGeom>
+            <a:ln w="38100">
+              <a:solidFill>
+                <a:schemeClr val="tx1"/>
+              </a:solidFill>
+              <a:tailEnd type="triangle"/>
+            </a:ln>
+          </p:spPr>
+          <p:style>
+            <a:lnRef idx="1">
+              <a:schemeClr val="accent1"/>
+            </a:lnRef>
+            <a:fillRef idx="0">
+              <a:schemeClr val="accent1"/>
+            </a:fillRef>
+            <a:effectRef idx="0">
+              <a:schemeClr val="accent1"/>
+            </a:effectRef>
+            <a:fontRef idx="minor">
+              <a:schemeClr val="tx1"/>
+            </a:fontRef>
+          </p:style>
+        </p:cxnSp>
+        <p:cxnSp>
+          <p:nvCxnSpPr>
+            <p:cNvPr id="10" name="Straight Arrow Connector 9">
+              <a:extLst>
+                <a:ext uri="{FF2B5EF4-FFF2-40B4-BE49-F238E27FC236}">
+                  <a16:creationId xmlns:a16="http://schemas.microsoft.com/office/drawing/2014/main" id="{C5A62257-0AF4-1C1D-26B1-DF10EEA258AF}"/>
+                </a:ext>
+              </a:extLst>
+            </p:cNvPr>
+            <p:cNvCxnSpPr>
+              <a:cxnSpLocks/>
+            </p:cNvCxnSpPr>
+            <p:nvPr/>
+          </p:nvCxnSpPr>
+          <p:spPr>
+            <a:xfrm rot="16200000">
+              <a:off x="6587412" y="2939142"/>
+              <a:ext cx="1212980" cy="0"/>
+            </a:xfrm>
+            <a:prstGeom prst="straightConnector1">
+              <a:avLst/>
+            </a:prstGeom>
+            <a:ln w="38100">
+              <a:solidFill>
+                <a:schemeClr val="tx1"/>
+              </a:solidFill>
+              <a:tailEnd type="triangle"/>
+            </a:ln>
+          </p:spPr>
+          <p:style>
+            <a:lnRef idx="1">
+              <a:schemeClr val="accent1"/>
+            </a:lnRef>
+            <a:fillRef idx="0">
+              <a:schemeClr val="accent1"/>
+            </a:fillRef>
+            <a:effectRef idx="0">
+              <a:schemeClr val="accent1"/>
+            </a:effectRef>
+            <a:fontRef idx="minor">
+              <a:schemeClr val="tx1"/>
+            </a:fontRef>
+          </p:style>
+        </p:cxnSp>
+        <p:sp>
+          <p:nvSpPr>
+            <p:cNvPr id="11" name="TextBox 10">
+              <a:extLst>
+                <a:ext uri="{FF2B5EF4-FFF2-40B4-BE49-F238E27FC236}">
+                  <a16:creationId xmlns:a16="http://schemas.microsoft.com/office/drawing/2014/main" id="{5EA23955-6DD9-A535-41DC-CEB28E29BBD5}"/>
+                </a:ext>
+              </a:extLst>
+            </p:cNvPr>
+            <p:cNvSpPr txBox="1"/>
+            <p:nvPr/>
+          </p:nvSpPr>
+          <p:spPr>
+            <a:xfrm>
+              <a:off x="7030617" y="1963318"/>
+              <a:ext cx="793102" cy="369332"/>
+            </a:xfrm>
+            <a:prstGeom prst="rect">
+              <a:avLst/>
+            </a:prstGeom>
+            <a:noFill/>
+          </p:spPr>
+          <p:txBody>
+            <a:bodyPr wrap="square" rtlCol="0">
+              <a:spAutoFit/>
+            </a:bodyPr>
+            <a:lstStyle/>
+            <a:p>
+              <a:r>
+                <a:rPr lang="en-US" dirty="0"/>
+                <a:t>y</a:t>
+              </a:r>
+              <a:endParaRPr lang="th-TH" dirty="0"/>
+            </a:p>
+          </p:txBody>
+        </p:sp>
+        <p:sp>
+          <p:nvSpPr>
+            <p:cNvPr id="12" name="TextBox 11">
+              <a:extLst>
+                <a:ext uri="{FF2B5EF4-FFF2-40B4-BE49-F238E27FC236}">
+                  <a16:creationId xmlns:a16="http://schemas.microsoft.com/office/drawing/2014/main" id="{445EE003-4FA4-938A-695B-1FE24E774DB7}"/>
+                </a:ext>
+              </a:extLst>
+            </p:cNvPr>
+            <p:cNvSpPr txBox="1"/>
+            <p:nvPr/>
+          </p:nvSpPr>
+          <p:spPr>
+            <a:xfrm>
+              <a:off x="5736773" y="3385254"/>
+              <a:ext cx="793102" cy="369332"/>
+            </a:xfrm>
+            <a:prstGeom prst="rect">
+              <a:avLst/>
+            </a:prstGeom>
+            <a:noFill/>
+          </p:spPr>
+          <p:txBody>
+            <a:bodyPr wrap="square" rtlCol="0">
+              <a:spAutoFit/>
+            </a:bodyPr>
+            <a:lstStyle/>
+            <a:p>
+              <a:r>
+                <a:rPr lang="en-US" dirty="0"/>
+                <a:t>X</a:t>
+              </a:r>
+              <a:endParaRPr lang="th-TH" dirty="0"/>
+            </a:p>
+          </p:txBody>
+        </p:sp>
+      </p:grpSp>
+      <p:pic>
+        <p:nvPicPr>
+          <p:cNvPr id="14" name="Picture 10" descr="RealSense Depth Camera D455 - Intel | Mouser">
+            <a:extLst>
+              <a:ext uri="{FF2B5EF4-FFF2-40B4-BE49-F238E27FC236}">
+                <a16:creationId xmlns:a16="http://schemas.microsoft.com/office/drawing/2014/main" id="{31CC0BEB-2B5A-D9E0-9ABF-C9A9550CCEB9}"/>
+              </a:ext>
+            </a:extLst>
+          </p:cNvPr>
+          <p:cNvPicPr>
+            <a:picLocks noChangeAspect="1" noChangeArrowheads="1"/>
+          </p:cNvPicPr>
+          <p:nvPr/>
+        </p:nvPicPr>
+        <p:blipFill rotWithShape="1">
+          <a:blip r:embed="rId3">
+            <a:extLst>
+              <a:ext uri="{28A0092B-C50C-407E-A947-70E740481C1C}">
+                <a14:useLocalDpi xmlns:a14="http://schemas.microsoft.com/office/drawing/2010/main" val="0"/>
+              </a:ext>
+            </a:extLst>
+          </a:blip>
+          <a:srcRect t="23855" b="24845"/>
+          <a:stretch/>
+        </p:blipFill>
+        <p:spPr bwMode="auto">
+          <a:xfrm>
+            <a:off x="1267633" y="2976110"/>
+            <a:ext cx="2936158" cy="1094562"/>
+          </a:xfrm>
+          <a:prstGeom prst="rect">
+            <a:avLst/>
+          </a:prstGeom>
+          <a:noFill/>
+          <a:extLst>
+            <a:ext uri="{909E8E84-426E-40DD-AFC4-6F175D3DCCD1}">
+              <a14:hiddenFill xmlns:a14="http://schemas.microsoft.com/office/drawing/2010/main">
+                <a:solidFill>
+                  <a:srgbClr val="FFFFFF"/>
+                </a:solidFill>
+              </a14:hiddenFill>
+            </a:ext>
+          </a:extLst>
+        </p:spPr>
+      </p:pic>
+      <p:cxnSp>
+        <p:nvCxnSpPr>
+          <p:cNvPr id="15" name="Straight Arrow Connector 14">
+            <a:extLst>
+              <a:ext uri="{FF2B5EF4-FFF2-40B4-BE49-F238E27FC236}">
+                <a16:creationId xmlns:a16="http://schemas.microsoft.com/office/drawing/2014/main" id="{D0A63461-617C-DDCE-A691-34C28AE7A844}"/>
+              </a:ext>
+            </a:extLst>
+          </p:cNvPr>
+          <p:cNvCxnSpPr>
+            <a:cxnSpLocks/>
+          </p:cNvCxnSpPr>
+          <p:nvPr/>
+        </p:nvCxnSpPr>
+        <p:spPr>
+          <a:xfrm>
+            <a:off x="3608633" y="3720574"/>
+            <a:ext cx="879391" cy="84584"/>
+          </a:xfrm>
+          <a:prstGeom prst="straightConnector1">
+            <a:avLst/>
+          </a:prstGeom>
+          <a:ln w="38100">
+            <a:solidFill>
+              <a:srgbClr val="FF0000"/>
+            </a:solidFill>
+            <a:tailEnd type="triangle"/>
+          </a:ln>
+        </p:spPr>
+        <p:style>
+          <a:lnRef idx="1">
+            <a:schemeClr val="accent1"/>
+          </a:lnRef>
+          <a:fillRef idx="0">
+            <a:schemeClr val="accent1"/>
+          </a:fillRef>
+          <a:effectRef idx="0">
+            <a:schemeClr val="accent1"/>
+          </a:effectRef>
+          <a:fontRef idx="minor">
+            <a:schemeClr val="tx1"/>
+          </a:fontRef>
+        </p:style>
+      </p:cxnSp>
+      <p:cxnSp>
+        <p:nvCxnSpPr>
+          <p:cNvPr id="16" name="Straight Arrow Connector 15">
+            <a:extLst>
+              <a:ext uri="{FF2B5EF4-FFF2-40B4-BE49-F238E27FC236}">
+                <a16:creationId xmlns:a16="http://schemas.microsoft.com/office/drawing/2014/main" id="{8BACDD2B-F87A-E23F-4FBE-9F147E202D6B}"/>
+              </a:ext>
+            </a:extLst>
+          </p:cNvPr>
+          <p:cNvCxnSpPr>
+            <a:cxnSpLocks/>
+          </p:cNvCxnSpPr>
+          <p:nvPr/>
+        </p:nvCxnSpPr>
+        <p:spPr>
+          <a:xfrm rot="16200000">
+            <a:off x="3145936" y="3257877"/>
+            <a:ext cx="925394" cy="0"/>
+          </a:xfrm>
+          <a:prstGeom prst="straightConnector1">
+            <a:avLst/>
+          </a:prstGeom>
+          <a:ln w="38100">
+            <a:solidFill>
+              <a:srgbClr val="FF0000"/>
+            </a:solidFill>
+            <a:tailEnd type="triangle"/>
+          </a:ln>
+        </p:spPr>
+        <p:style>
+          <a:lnRef idx="1">
+            <a:schemeClr val="accent1"/>
+          </a:lnRef>
+          <a:fillRef idx="0">
+            <a:schemeClr val="accent1"/>
+          </a:fillRef>
+          <a:effectRef idx="0">
+            <a:schemeClr val="accent1"/>
+          </a:effectRef>
+          <a:fontRef idx="minor">
+            <a:schemeClr val="tx1"/>
+          </a:fontRef>
+        </p:style>
+      </p:cxnSp>
+      <p:sp>
+        <p:nvSpPr>
+          <p:cNvPr id="17" name="TextBox 16">
+            <a:extLst>
+              <a:ext uri="{FF2B5EF4-FFF2-40B4-BE49-F238E27FC236}">
+                <a16:creationId xmlns:a16="http://schemas.microsoft.com/office/drawing/2014/main" id="{0B2CC717-6312-EEBC-85A3-B181A5CF1AF9}"/>
+              </a:ext>
+            </a:extLst>
+          </p:cNvPr>
+          <p:cNvSpPr txBox="1"/>
+          <p:nvPr/>
+        </p:nvSpPr>
+        <p:spPr>
+          <a:xfrm>
+            <a:off x="3479041" y="2513412"/>
+            <a:ext cx="629448" cy="281767"/>
+          </a:xfrm>
+          <a:prstGeom prst="rect">
+            <a:avLst/>
+          </a:prstGeom>
+          <a:noFill/>
+          <a:ln>
+            <a:noFill/>
+          </a:ln>
+        </p:spPr>
+        <p:txBody>
+          <a:bodyPr wrap="square" rtlCol="0">
+            <a:spAutoFit/>
+          </a:bodyPr>
+          <a:lstStyle/>
+          <a:p>
+            <a:r>
+              <a:rPr lang="en-US" dirty="0"/>
+              <a:t>y</a:t>
+            </a:r>
+            <a:endParaRPr lang="th-TH" dirty="0"/>
+          </a:p>
+        </p:txBody>
+      </p:sp>
+      <p:sp>
+        <p:nvSpPr>
+          <p:cNvPr id="18" name="TextBox 17">
+            <a:extLst>
+              <a:ext uri="{FF2B5EF4-FFF2-40B4-BE49-F238E27FC236}">
+                <a16:creationId xmlns:a16="http://schemas.microsoft.com/office/drawing/2014/main" id="{B6D6A0E0-1BE2-1068-CB9E-2DB60C8ED141}"/>
+              </a:ext>
+            </a:extLst>
+          </p:cNvPr>
+          <p:cNvSpPr txBox="1"/>
+          <p:nvPr/>
+        </p:nvSpPr>
+        <p:spPr>
+          <a:xfrm>
+            <a:off x="4580024" y="3716400"/>
+            <a:ext cx="629448" cy="281767"/>
+          </a:xfrm>
+          <a:prstGeom prst="rect">
+            <a:avLst/>
+          </a:prstGeom>
+          <a:noFill/>
+          <a:ln>
+            <a:noFill/>
+          </a:ln>
+        </p:spPr>
+        <p:txBody>
+          <a:bodyPr wrap="square" rtlCol="0">
+            <a:spAutoFit/>
+          </a:bodyPr>
+          <a:lstStyle/>
+          <a:p>
+            <a:r>
+              <a:rPr lang="en-US" dirty="0"/>
+              <a:t>X</a:t>
+            </a:r>
+            <a:endParaRPr lang="th-TH" dirty="0"/>
+          </a:p>
+        </p:txBody>
+      </p:sp>
+    </p:spTree>
+    <p:extLst>
+      <p:ext uri="{BB962C8B-B14F-4D97-AF65-F5344CB8AC3E}">
+        <p14:creationId xmlns:p14="http://schemas.microsoft.com/office/powerpoint/2010/main" val="4248930663"/>
+      </p:ext>
+    </p:extLst>
+  </p:cSld>
+  <p:clrMapOvr>
+    <a:masterClrMapping/>
+  </p:clrMapOvr>
+  <mc:AlternateContent xmlns:mc="http://schemas.openxmlformats.org/markup-compatibility/2006">
+    <mc:Choice xmlns:p159="http://schemas.microsoft.com/office/powerpoint/2015/09/main" Requires="p159">
+      <p:transition xmlns:p14="http://schemas.microsoft.com/office/powerpoint/2010/main" spd="slow" p14:dur="2000">
+        <p159:morph option="byObject"/>
+      </p:transition>
+    </mc:Choice>
+    <mc:Fallback>
+      <p:transition spd="slow">
+        <p:fade/>
+      </p:transition>
+    </mc:Fallback>
+  </mc:AlternateContent>
+</p:sld>
+</file>
+
+<file path=ppt/slides/slide11.xml><?xml version="1.0" encoding="utf-8"?>
+<p:sld xmlns:a="http://schemas.openxmlformats.org/drawingml/2006/main" xmlns:r="http://schemas.openxmlformats.org/officeDocument/2006/relationships" xmlns:p="http://schemas.openxmlformats.org/presentationml/2006/main">
+  <p:cSld>
+    <p:spTree>
+      <p:nvGrpSpPr>
+        <p:cNvPr id="1" name=""/>
+        <p:cNvGrpSpPr/>
+        <p:nvPr/>
+      </p:nvGrpSpPr>
+      <p:grpSpPr>
+        <a:xfrm>
+          <a:off x="0" y="0"/>
+          <a:ext cx="0" cy="0"/>
+          <a:chOff x="0" y="0"/>
+          <a:chExt cx="0" cy="0"/>
+        </a:xfrm>
+      </p:grpSpPr>
+      <p:sp>
+        <p:nvSpPr>
+          <p:cNvPr id="2" name="Title 1">
+            <a:extLst>
+              <a:ext uri="{FF2B5EF4-FFF2-40B4-BE49-F238E27FC236}">
+                <a16:creationId xmlns:a16="http://schemas.microsoft.com/office/drawing/2014/main" id="{8DBDD24A-8680-E064-4B16-6CF85D9CDAC1}"/>
+              </a:ext>
+            </a:extLst>
+          </p:cNvPr>
+          <p:cNvSpPr>
+            <a:spLocks noGrp="1"/>
+          </p:cNvSpPr>
+          <p:nvPr>
+            <p:ph type="title"/>
+          </p:nvPr>
+        </p:nvSpPr>
+        <p:spPr/>
+        <p:txBody>
+          <a:bodyPr/>
+          <a:lstStyle/>
+          <a:p>
+            <a:r>
+              <a:rPr lang="en-US" dirty="0"/>
+              <a:t>Ros bag</a:t>
+            </a:r>
+            <a:endParaRPr lang="th-TH" dirty="0"/>
+          </a:p>
+        </p:txBody>
+      </p:sp>
+      <p:pic>
+        <p:nvPicPr>
+          <p:cNvPr id="2052" name="Picture 4" descr="Working with large ROS bag files on Hadoop and Spark - ROS Projects - ROS  Discourse">
+            <a:extLst>
+              <a:ext uri="{FF2B5EF4-FFF2-40B4-BE49-F238E27FC236}">
+                <a16:creationId xmlns:a16="http://schemas.microsoft.com/office/drawing/2014/main" id="{C082ECDB-C192-F4D4-FA8A-8081F47B5D3A}"/>
+              </a:ext>
+            </a:extLst>
+          </p:cNvPr>
+          <p:cNvPicPr>
+            <a:picLocks noGrp="1" noChangeAspect="1" noChangeArrowheads="1"/>
+          </p:cNvPicPr>
+          <p:nvPr>
+            <p:ph idx="1"/>
+          </p:nvPr>
+        </p:nvPicPr>
+        <p:blipFill>
+          <a:blip r:embed="rId2">
+            <a:extLst>
+              <a:ext uri="{28A0092B-C50C-407E-A947-70E740481C1C}">
+                <a14:useLocalDpi xmlns:a14="http://schemas.microsoft.com/office/drawing/2010/main" val="0"/>
+              </a:ext>
+            </a:extLst>
+          </a:blip>
+          <a:srcRect/>
+          <a:stretch>
+            <a:fillRect/>
+          </a:stretch>
+        </p:blipFill>
+        <p:spPr bwMode="auto">
+          <a:xfrm>
+            <a:off x="2476777" y="1846263"/>
+            <a:ext cx="7298772" cy="4022725"/>
+          </a:xfrm>
+          <a:prstGeom prst="rect">
+            <a:avLst/>
+          </a:prstGeom>
+          <a:noFill/>
+          <a:extLst>
+            <a:ext uri="{909E8E84-426E-40DD-AFC4-6F175D3DCCD1}">
+              <a14:hiddenFill xmlns:a14="http://schemas.microsoft.com/office/drawing/2010/main">
+                <a:solidFill>
+                  <a:srgbClr val="FFFFFF"/>
+                </a:solidFill>
+              </a14:hiddenFill>
+            </a:ext>
+          </a:extLst>
+        </p:spPr>
+      </p:pic>
+    </p:spTree>
+    <p:extLst>
+      <p:ext uri="{BB962C8B-B14F-4D97-AF65-F5344CB8AC3E}">
+        <p14:creationId xmlns:p14="http://schemas.microsoft.com/office/powerpoint/2010/main" val="1885913353"/>
+      </p:ext>
+    </p:extLst>
+  </p:cSld>
+  <p:clrMapOvr>
+    <a:masterClrMapping/>
+  </p:clrMapOvr>
+  <mc:AlternateContent xmlns:mc="http://schemas.openxmlformats.org/markup-compatibility/2006">
+    <mc:Choice xmlns:p159="http://schemas.microsoft.com/office/powerpoint/2015/09/main" Requires="p159">
+      <p:transition xmlns:p14="http://schemas.microsoft.com/office/powerpoint/2010/main" spd="slow" p14:dur="2000">
+        <p159:morph option="byObject"/>
+      </p:transition>
+    </mc:Choice>
+    <mc:Fallback>
+      <p:transition spd="slow">
+        <p:fade/>
+      </p:transition>
+    </mc:Fallback>
+  </mc:AlternateContent>
+</p:sld>
+</file>
+
+<file path=ppt/slides/slide12.xml><?xml version="1.0" encoding="utf-8"?>
+<p:sld xmlns:a="http://schemas.openxmlformats.org/drawingml/2006/main" xmlns:r="http://schemas.openxmlformats.org/officeDocument/2006/relationships" xmlns:p="http://schemas.openxmlformats.org/presentationml/2006/main">
+  <p:cSld>
+    <p:spTree>
+      <p:nvGrpSpPr>
+        <p:cNvPr id="1" name=""/>
+        <p:cNvGrpSpPr/>
+        <p:nvPr/>
+      </p:nvGrpSpPr>
+      <p:grpSpPr>
+        <a:xfrm>
+          <a:off x="0" y="0"/>
+          <a:ext cx="0" cy="0"/>
+          <a:chOff x="0" y="0"/>
+          <a:chExt cx="0" cy="0"/>
+        </a:xfrm>
+      </p:grpSpPr>
+      <p:sp>
+        <p:nvSpPr>
+          <p:cNvPr id="6" name="Title 1">
+            <a:extLst>
+              <a:ext uri="{FF2B5EF4-FFF2-40B4-BE49-F238E27FC236}">
+                <a16:creationId xmlns:a16="http://schemas.microsoft.com/office/drawing/2014/main" id="{4793A40F-9AA4-4BB4-4F8F-5B07495F793C}"/>
+              </a:ext>
+            </a:extLst>
+          </p:cNvPr>
+          <p:cNvSpPr>
+            <a:spLocks noGrp="1"/>
+          </p:cNvSpPr>
+          <p:nvPr>
+            <p:ph type="title"/>
+          </p:nvPr>
+        </p:nvSpPr>
+        <p:spPr>
+          <a:xfrm>
+            <a:off x="1097280" y="286603"/>
+            <a:ext cx="10058400" cy="1450757"/>
+          </a:xfrm>
+        </p:spPr>
+        <p:txBody>
+          <a:bodyPr/>
+          <a:lstStyle/>
+          <a:p>
+            <a:r>
+              <a:rPr lang="en-US" dirty="0"/>
+              <a:t>What blocks you.</a:t>
+            </a:r>
+            <a:endParaRPr lang="th-TH" dirty="0"/>
+          </a:p>
+        </p:txBody>
+      </p:sp>
+      <p:pic>
+        <p:nvPicPr>
+          <p:cNvPr id="8" name="Picture 7">
+            <a:extLst>
+              <a:ext uri="{FF2B5EF4-FFF2-40B4-BE49-F238E27FC236}">
+                <a16:creationId xmlns:a16="http://schemas.microsoft.com/office/drawing/2014/main" id="{73303475-685D-5A53-C692-0CE20B04E12F}"/>
+              </a:ext>
+            </a:extLst>
+          </p:cNvPr>
+          <p:cNvPicPr>
+            <a:picLocks noChangeAspect="1"/>
+          </p:cNvPicPr>
+          <p:nvPr/>
+        </p:nvPicPr>
+        <p:blipFill>
+          <a:blip r:embed="rId2"/>
+          <a:stretch>
+            <a:fillRect/>
+          </a:stretch>
+        </p:blipFill>
+        <p:spPr>
+          <a:xfrm>
+            <a:off x="1268363" y="2585884"/>
+            <a:ext cx="4242468" cy="1918937"/>
+          </a:xfrm>
+          <a:prstGeom prst="rect">
+            <a:avLst/>
+          </a:prstGeom>
+        </p:spPr>
+      </p:pic>
+      <p:sp>
+        <p:nvSpPr>
+          <p:cNvPr id="12" name="TextBox 11">
+            <a:extLst>
+              <a:ext uri="{FF2B5EF4-FFF2-40B4-BE49-F238E27FC236}">
+                <a16:creationId xmlns:a16="http://schemas.microsoft.com/office/drawing/2014/main" id="{A95C8743-4A7E-CD32-7657-C2A5928B1028}"/>
+              </a:ext>
+            </a:extLst>
+          </p:cNvPr>
+          <p:cNvSpPr txBox="1"/>
+          <p:nvPr/>
+        </p:nvSpPr>
+        <p:spPr>
+          <a:xfrm>
+            <a:off x="2456536" y="4739951"/>
+            <a:ext cx="1866122" cy="369332"/>
+          </a:xfrm>
+          <a:prstGeom prst="rect">
+            <a:avLst/>
+          </a:prstGeom>
+          <a:noFill/>
+        </p:spPr>
+        <p:txBody>
+          <a:bodyPr wrap="square" rtlCol="0">
+            <a:spAutoFit/>
+          </a:bodyPr>
+          <a:lstStyle/>
+          <a:p>
+            <a:r>
+              <a:rPr lang="en-US" dirty="0"/>
+              <a:t>No </a:t>
+            </a:r>
+            <a:r>
+              <a:rPr lang="en-US" dirty="0" err="1"/>
+              <a:t>gpu</a:t>
+            </a:r>
+            <a:r>
+              <a:rPr lang="en-US" dirty="0"/>
+              <a:t> on VM</a:t>
+            </a:r>
+            <a:endParaRPr lang="th-TH" dirty="0"/>
+          </a:p>
+        </p:txBody>
+      </p:sp>
+      <p:pic>
+        <p:nvPicPr>
+          <p:cNvPr id="4098" name="Picture 2" descr="Big, file, folder Icon in Thick">
+            <a:extLst>
+              <a:ext uri="{FF2B5EF4-FFF2-40B4-BE49-F238E27FC236}">
+                <a16:creationId xmlns:a16="http://schemas.microsoft.com/office/drawing/2014/main" id="{CAEA2196-C914-CA1A-8B97-E8E8B9E4C0B2}"/>
+              </a:ext>
+            </a:extLst>
+          </p:cNvPr>
+          <p:cNvPicPr>
+            <a:picLocks noChangeAspect="1" noChangeArrowheads="1"/>
+          </p:cNvPicPr>
+          <p:nvPr/>
+        </p:nvPicPr>
+        <p:blipFill>
+          <a:blip r:embed="rId3">
+            <a:extLst>
+              <a:ext uri="{28A0092B-C50C-407E-A947-70E740481C1C}">
+                <a14:useLocalDpi xmlns:a14="http://schemas.microsoft.com/office/drawing/2010/main" val="0"/>
+              </a:ext>
+            </a:extLst>
+          </a:blip>
+          <a:srcRect/>
+          <a:stretch>
+            <a:fillRect/>
+          </a:stretch>
+        </p:blipFill>
+        <p:spPr bwMode="auto">
+          <a:xfrm>
+            <a:off x="7413075" y="2473789"/>
+            <a:ext cx="2143125" cy="2143125"/>
+          </a:xfrm>
+          <a:prstGeom prst="rect">
+            <a:avLst/>
+          </a:prstGeom>
+          <a:noFill/>
+          <a:extLst>
+            <a:ext uri="{909E8E84-426E-40DD-AFC4-6F175D3DCCD1}">
+              <a14:hiddenFill xmlns:a14="http://schemas.microsoft.com/office/drawing/2010/main">
+                <a:solidFill>
+                  <a:srgbClr val="FFFFFF"/>
+                </a:solidFill>
+              </a14:hiddenFill>
+            </a:ext>
+          </a:extLst>
+        </p:spPr>
+      </p:pic>
+      <p:sp>
+        <p:nvSpPr>
+          <p:cNvPr id="2" name="TextBox 1">
+            <a:extLst>
+              <a:ext uri="{FF2B5EF4-FFF2-40B4-BE49-F238E27FC236}">
+                <a16:creationId xmlns:a16="http://schemas.microsoft.com/office/drawing/2014/main" id="{FFEDCFD0-B7F5-2FC0-59D1-C7393D6F89DC}"/>
+              </a:ext>
+            </a:extLst>
+          </p:cNvPr>
+          <p:cNvSpPr txBox="1"/>
+          <p:nvPr/>
+        </p:nvSpPr>
+        <p:spPr>
+          <a:xfrm>
+            <a:off x="6577819" y="4616914"/>
+            <a:ext cx="3813636" cy="646331"/>
+          </a:xfrm>
+          <a:prstGeom prst="rect">
+            <a:avLst/>
+          </a:prstGeom>
+          <a:noFill/>
+        </p:spPr>
+        <p:txBody>
+          <a:bodyPr wrap="square" rtlCol="0">
+            <a:spAutoFit/>
+          </a:bodyPr>
+          <a:lstStyle/>
+          <a:p>
+            <a:pPr algn="ctr"/>
+            <a:r>
+              <a:rPr lang="en-US" dirty="0"/>
+              <a:t>Ros bag file record image and depth </a:t>
+            </a:r>
+          </a:p>
+          <a:p>
+            <a:pPr algn="ctr"/>
+            <a:r>
+              <a:rPr lang="en-US" dirty="0"/>
+              <a:t>30 fps size 2 GB disk/min</a:t>
+            </a:r>
+          </a:p>
+        </p:txBody>
+      </p:sp>
+    </p:spTree>
+    <p:extLst>
+      <p:ext uri="{BB962C8B-B14F-4D97-AF65-F5344CB8AC3E}">
+        <p14:creationId xmlns:p14="http://schemas.microsoft.com/office/powerpoint/2010/main" val="2722816991"/>
+      </p:ext>
+    </p:extLst>
+  </p:cSld>
+  <p:clrMapOvr>
+    <a:masterClrMapping/>
+  </p:clrMapOvr>
+  <mc:AlternateContent xmlns:mc="http://schemas.openxmlformats.org/markup-compatibility/2006">
+    <mc:Choice xmlns:p159="http://schemas.microsoft.com/office/powerpoint/2015/09/main" Requires="p159">
+      <p:transition xmlns:p14="http://schemas.microsoft.com/office/powerpoint/2010/main" spd="slow" p14:dur="2000">
+        <p159:morph option="byObject"/>
+      </p:transition>
+    </mc:Choice>
+    <mc:Fallback>
+      <p:transition spd="slow">
+        <p:fade/>
+      </p:transition>
+    </mc:Fallback>
+  </mc:AlternateContent>
+</p:sld>
+</file>
+
+<file path=ppt/slides/slide13.xml><?xml version="1.0" encoding="utf-8"?>
+<p:sld xmlns:a="http://schemas.openxmlformats.org/drawingml/2006/main" xmlns:r="http://schemas.openxmlformats.org/officeDocument/2006/relationships" xmlns:p="http://schemas.openxmlformats.org/presentationml/2006/main">
+  <p:cSld>
+    <p:spTree>
+      <p:nvGrpSpPr>
+        <p:cNvPr id="1" name=""/>
+        <p:cNvGrpSpPr/>
+        <p:nvPr/>
+      </p:nvGrpSpPr>
+      <p:grpSpPr>
+        <a:xfrm>
+          <a:off x="0" y="0"/>
+          <a:ext cx="0" cy="0"/>
+          <a:chOff x="0" y="0"/>
+          <a:chExt cx="0" cy="0"/>
+        </a:xfrm>
+      </p:grpSpPr>
+      <p:sp>
+        <p:nvSpPr>
+          <p:cNvPr id="2" name="Title 1">
+            <a:extLst>
+              <a:ext uri="{FF2B5EF4-FFF2-40B4-BE49-F238E27FC236}">
+                <a16:creationId xmlns:a16="http://schemas.microsoft.com/office/drawing/2014/main" id="{184717F0-F6AF-2A15-5841-BE0A1EF229DD}"/>
+              </a:ext>
+            </a:extLst>
+          </p:cNvPr>
+          <p:cNvSpPr>
+            <a:spLocks noGrp="1"/>
+          </p:cNvSpPr>
+          <p:nvPr>
+            <p:ph type="title"/>
+          </p:nvPr>
+        </p:nvSpPr>
+        <p:spPr/>
+        <p:txBody>
+          <a:bodyPr/>
+          <a:lstStyle/>
+          <a:p>
+            <a:r>
+              <a:rPr lang="en-US" dirty="0"/>
+              <a:t>What you will do next week.</a:t>
+            </a:r>
+            <a:endParaRPr lang="th-TH" dirty="0"/>
+          </a:p>
+        </p:txBody>
+      </p:sp>
+      <p:sp>
+        <p:nvSpPr>
+          <p:cNvPr id="8" name="Content Placeholder 2">
+            <a:extLst>
+              <a:ext uri="{FF2B5EF4-FFF2-40B4-BE49-F238E27FC236}">
+                <a16:creationId xmlns:a16="http://schemas.microsoft.com/office/drawing/2014/main" id="{7BD2A282-72B8-CC85-7FC0-0E08C3A90B25}"/>
+              </a:ext>
+            </a:extLst>
+          </p:cNvPr>
+          <p:cNvSpPr>
+            <a:spLocks noGrp="1"/>
+          </p:cNvSpPr>
+          <p:nvPr>
+            <p:ph idx="1"/>
+          </p:nvPr>
+        </p:nvSpPr>
+        <p:spPr>
+          <a:xfrm>
+            <a:off x="1097280" y="1845734"/>
+            <a:ext cx="10058400" cy="4023360"/>
+          </a:xfrm>
+        </p:spPr>
+        <p:txBody>
+          <a:bodyPr>
+            <a:normAutofit/>
+          </a:bodyPr>
+          <a:lstStyle/>
+          <a:p>
+            <a:pPr marL="457200" indent="-457200">
+              <a:buFont typeface="+mj-lt"/>
+              <a:buAutoNum type="arabicPeriod"/>
+            </a:pPr>
+            <a:r>
+              <a:rPr lang="th-TH" sz="4000" dirty="0">
+                <a:latin typeface="TH SarabunPSK" panose="020B0500040200020003" pitchFamily="34" charset="-34"/>
+                <a:cs typeface="+mj-cs"/>
+              </a:rPr>
+              <a:t>ทำ </a:t>
+            </a:r>
+            <a:r>
+              <a:rPr lang="en-US" sz="4000" dirty="0" err="1">
+                <a:latin typeface="TH SarabunPSK" panose="020B0500040200020003" pitchFamily="34" charset="-34"/>
+                <a:cs typeface="+mj-cs"/>
+              </a:rPr>
+              <a:t>rosbag</a:t>
+            </a:r>
+            <a:r>
+              <a:rPr lang="en-US" sz="4000" dirty="0">
+                <a:latin typeface="TH SarabunPSK" panose="020B0500040200020003" pitchFamily="34" charset="-34"/>
+                <a:cs typeface="+mj-cs"/>
+              </a:rPr>
+              <a:t> </a:t>
+            </a:r>
+            <a:r>
+              <a:rPr lang="th-TH" sz="4000" dirty="0">
+                <a:latin typeface="TH SarabunPSK" panose="020B0500040200020003" pitchFamily="34" charset="-34"/>
+                <a:cs typeface="+mj-cs"/>
+              </a:rPr>
+              <a:t>เพื่อ </a:t>
+            </a:r>
+            <a:r>
+              <a:rPr lang="en-US" sz="4000" dirty="0">
+                <a:latin typeface="TH SarabunPSK" panose="020B0500040200020003" pitchFamily="34" charset="-34"/>
+                <a:cs typeface="+mj-cs"/>
+              </a:rPr>
+              <a:t>record </a:t>
+            </a:r>
+            <a:r>
+              <a:rPr lang="th-TH" sz="4000" dirty="0">
+                <a:latin typeface="TH SarabunPSK" panose="020B0500040200020003" pitchFamily="34" charset="-34"/>
+                <a:cs typeface="+mj-cs"/>
+              </a:rPr>
+              <a:t>ผลตาง</a:t>
+            </a:r>
+          </a:p>
+          <a:p>
+            <a:pPr marL="749808" lvl="1" indent="-457200">
+              <a:buFont typeface="+mj-lt"/>
+              <a:buAutoNum type="arabicPeriod"/>
+            </a:pPr>
+            <a:r>
+              <a:rPr lang="th-TH" sz="4000" dirty="0">
+                <a:latin typeface="TH SarabunPSK" panose="020B0500040200020003" pitchFamily="34" charset="-34"/>
+                <a:cs typeface="+mj-cs"/>
+              </a:rPr>
+              <a:t>หาตัว </a:t>
+            </a:r>
+            <a:r>
+              <a:rPr lang="en-US" sz="4000" dirty="0" err="1">
+                <a:latin typeface="TH SarabunPSK" panose="020B0500040200020003" pitchFamily="34" charset="-34"/>
+                <a:cs typeface="+mj-cs"/>
+              </a:rPr>
+              <a:t>harddisk</a:t>
+            </a:r>
+            <a:r>
+              <a:rPr lang="en-US" sz="4000" dirty="0">
+                <a:latin typeface="TH SarabunPSK" panose="020B0500040200020003" pitchFamily="34" charset="-34"/>
+                <a:cs typeface="+mj-cs"/>
+              </a:rPr>
+              <a:t> </a:t>
+            </a:r>
+            <a:r>
+              <a:rPr lang="th-TH" sz="4000" dirty="0">
+                <a:latin typeface="TH SarabunPSK" panose="020B0500040200020003" pitchFamily="34" charset="-34"/>
+                <a:cs typeface="+mj-cs"/>
+              </a:rPr>
+              <a:t>มาในการบันทึก </a:t>
+            </a:r>
+            <a:r>
+              <a:rPr lang="en-US" sz="4000" dirty="0">
+                <a:latin typeface="TH SarabunPSK" panose="020B0500040200020003" pitchFamily="34" charset="-34"/>
+                <a:cs typeface="+mj-cs"/>
+              </a:rPr>
+              <a:t>file</a:t>
+            </a:r>
+            <a:endParaRPr lang="th-TH" sz="4000" dirty="0">
+              <a:latin typeface="TH SarabunPSK" panose="020B0500040200020003" pitchFamily="34" charset="-34"/>
+              <a:cs typeface="+mj-cs"/>
+            </a:endParaRPr>
+          </a:p>
+          <a:p>
+            <a:pPr marL="749808" lvl="1" indent="-457200">
+              <a:buFont typeface="+mj-lt"/>
+              <a:buAutoNum type="arabicPeriod"/>
+            </a:pPr>
+            <a:r>
+              <a:rPr lang="th-TH" sz="4000" dirty="0">
+                <a:latin typeface="TH SarabunPSK" panose="020B0500040200020003" pitchFamily="34" charset="-34"/>
+                <a:cs typeface="+mj-cs"/>
+              </a:rPr>
+              <a:t>หา </a:t>
+            </a:r>
+            <a:r>
+              <a:rPr lang="en-US" sz="4000" dirty="0" err="1">
+                <a:latin typeface="TH SarabunPSK" panose="020B0500040200020003" pitchFamily="34" charset="-34"/>
+                <a:cs typeface="+mj-cs"/>
+              </a:rPr>
+              <a:t>usb</a:t>
+            </a:r>
+            <a:r>
+              <a:rPr lang="en-US" sz="4000" dirty="0">
+                <a:latin typeface="TH SarabunPSK" panose="020B0500040200020003" pitchFamily="34" charset="-34"/>
+                <a:cs typeface="+mj-cs"/>
+              </a:rPr>
+              <a:t> capable </a:t>
+            </a:r>
+            <a:r>
+              <a:rPr lang="th-TH" sz="4000" dirty="0">
+                <a:latin typeface="TH SarabunPSK" panose="020B0500040200020003" pitchFamily="34" charset="-34"/>
+                <a:cs typeface="+mj-cs"/>
+              </a:rPr>
+              <a:t>ที่ยาวมากกว่า 3</a:t>
+            </a:r>
+            <a:r>
+              <a:rPr lang="en-US" sz="4000" dirty="0">
+                <a:latin typeface="TH SarabunPSK" panose="020B0500040200020003" pitchFamily="34" charset="-34"/>
+                <a:cs typeface="+mj-cs"/>
+              </a:rPr>
+              <a:t>m </a:t>
+            </a:r>
+            <a:r>
+              <a:rPr lang="th-TH" sz="4000" dirty="0">
+                <a:latin typeface="TH SarabunPSK" panose="020B0500040200020003" pitchFamily="34" charset="-34"/>
+                <a:cs typeface="+mj-cs"/>
+              </a:rPr>
+              <a:t>มาในการเชื่อมกล้องจากหลังคาของรถ</a:t>
+            </a:r>
+          </a:p>
+          <a:p>
+            <a:pPr marL="457200" indent="-457200">
+              <a:buFont typeface="+mj-lt"/>
+              <a:buAutoNum type="arabicPeriod"/>
+            </a:pPr>
+            <a:r>
+              <a:rPr lang="th-TH" sz="4000" dirty="0">
+                <a:latin typeface="TH SarabunPSK" panose="020B0500040200020003" pitchFamily="34" charset="-34"/>
+                <a:cs typeface="+mj-cs"/>
+              </a:rPr>
+              <a:t>ยืมคอมอ.</a:t>
+            </a:r>
+            <a:r>
+              <a:rPr lang="th-TH" sz="4000" dirty="0" err="1">
+                <a:latin typeface="TH SarabunPSK" panose="020B0500040200020003" pitchFamily="34" charset="-34"/>
+                <a:cs typeface="+mj-cs"/>
+              </a:rPr>
+              <a:t>น็ค</a:t>
+            </a:r>
+            <a:r>
+              <a:rPr lang="th-TH" sz="4000" dirty="0">
+                <a:latin typeface="TH SarabunPSK" panose="020B0500040200020003" pitchFamily="34" charset="-34"/>
+                <a:cs typeface="+mj-cs"/>
+              </a:rPr>
+              <a:t>ใน</a:t>
+            </a:r>
+            <a:r>
+              <a:rPr lang="th-TH" sz="4000" dirty="0" err="1">
+                <a:latin typeface="TH SarabunPSK" panose="020B0500040200020003" pitchFamily="34" charset="-34"/>
+                <a:cs typeface="+mj-cs"/>
+              </a:rPr>
+              <a:t>การทำ</a:t>
+            </a:r>
+            <a:r>
+              <a:rPr lang="th-TH" sz="4000" dirty="0">
+                <a:latin typeface="TH SarabunPSK" panose="020B0500040200020003" pitchFamily="34" charset="-34"/>
+                <a:cs typeface="+mj-cs"/>
+              </a:rPr>
+              <a:t> </a:t>
+            </a:r>
+            <a:r>
+              <a:rPr lang="en-US" sz="4000" dirty="0">
+                <a:latin typeface="TH SarabunPSK" panose="020B0500040200020003" pitchFamily="34" charset="-34"/>
+                <a:cs typeface="+mj-cs"/>
+              </a:rPr>
+              <a:t>object detection</a:t>
+            </a:r>
+          </a:p>
+          <a:p>
+            <a:pPr marL="457200" indent="-457200">
+              <a:buFont typeface="+mj-lt"/>
+              <a:buAutoNum type="arabicPeriod"/>
+            </a:pPr>
+            <a:r>
+              <a:rPr lang="th-TH" sz="4000" dirty="0">
+                <a:latin typeface="TH SarabunPSK" panose="020B0500040200020003" pitchFamily="34" charset="-34"/>
+                <a:cs typeface="+mj-cs"/>
+              </a:rPr>
+              <a:t>ดู </a:t>
+            </a:r>
+            <a:r>
+              <a:rPr lang="en-US" sz="4000" dirty="0" err="1">
+                <a:latin typeface="TH SarabunPSK" panose="020B0500040200020003" pitchFamily="34" charset="-34"/>
+                <a:cs typeface="+mj-cs"/>
+              </a:rPr>
+              <a:t>perfomace</a:t>
+            </a:r>
+            <a:r>
+              <a:rPr lang="en-US" sz="4000" dirty="0">
+                <a:latin typeface="TH SarabunPSK" panose="020B0500040200020003" pitchFamily="34" charset="-34"/>
+                <a:cs typeface="+mj-cs"/>
+              </a:rPr>
+              <a:t> </a:t>
+            </a:r>
+            <a:r>
+              <a:rPr lang="th-TH" sz="4000" dirty="0">
+                <a:latin typeface="TH SarabunPSK" panose="020B0500040200020003" pitchFamily="34" charset="-34"/>
+                <a:cs typeface="+mj-cs"/>
+              </a:rPr>
+              <a:t>ของ </a:t>
+            </a:r>
+            <a:r>
+              <a:rPr lang="en-US" sz="4000" dirty="0">
+                <a:latin typeface="TH SarabunPSK" panose="020B0500040200020003" pitchFamily="34" charset="-34"/>
+                <a:cs typeface="+mj-cs"/>
+              </a:rPr>
+              <a:t>model </a:t>
+            </a:r>
+            <a:r>
+              <a:rPr lang="th-TH" sz="4000" dirty="0">
+                <a:latin typeface="TH SarabunPSK" panose="020B0500040200020003" pitchFamily="34" charset="-34"/>
+                <a:cs typeface="+mj-cs"/>
+              </a:rPr>
+              <a:t>ที่เลือกมา</a:t>
+            </a:r>
+            <a:endParaRPr lang="en-US" sz="4000" dirty="0">
+              <a:latin typeface="TH SarabunPSK" panose="020B0500040200020003" pitchFamily="34" charset="-34"/>
+              <a:cs typeface="+mj-cs"/>
+            </a:endParaRPr>
+          </a:p>
+          <a:p>
+            <a:pPr marL="457200" indent="-457200">
+              <a:buFont typeface="+mj-lt"/>
+              <a:buAutoNum type="arabicPeriod"/>
+            </a:pPr>
+            <a:endParaRPr lang="en-US" sz="4000" dirty="0">
+              <a:latin typeface="TH SarabunPSK" panose="020B0500040200020003" pitchFamily="34" charset="-34"/>
+              <a:cs typeface="+mj-cs"/>
+            </a:endParaRPr>
+          </a:p>
+        </p:txBody>
+      </p:sp>
+    </p:spTree>
+    <p:extLst>
+      <p:ext uri="{BB962C8B-B14F-4D97-AF65-F5344CB8AC3E}">
+        <p14:creationId xmlns:p14="http://schemas.microsoft.com/office/powerpoint/2010/main" val="1258697719"/>
+      </p:ext>
+    </p:extLst>
+  </p:cSld>
+  <p:clrMapOvr>
+    <a:masterClrMapping/>
+  </p:clrMapOvr>
+  <mc:AlternateContent xmlns:mc="http://schemas.openxmlformats.org/markup-compatibility/2006">
+    <mc:Choice xmlns:p159="http://schemas.microsoft.com/office/powerpoint/2015/09/main" Requires="p159">
+      <p:transition xmlns:p14="http://schemas.microsoft.com/office/powerpoint/2010/main" spd="slow" p14:dur="2000">
+        <p159:morph option="byObject"/>
+      </p:transition>
+    </mc:Choice>
+    <mc:Fallback>
+      <p:transition spd="slow">
+        <p:fade/>
+      </p:transition>
+    </mc:Fallback>
+  </mc:AlternateContent>
+</p:sld>
+</file>
+
+<file path=ppt/slides/slide14.xml><?xml version="1.0" encoding="utf-8"?>
+<p:sld xmlns:a="http://schemas.openxmlformats.org/drawingml/2006/main" xmlns:r="http://schemas.openxmlformats.org/officeDocument/2006/relationships" xmlns:p="http://schemas.openxmlformats.org/presentationml/2006/main">
+  <p:cSld>
+    <p:spTree>
+      <p:nvGrpSpPr>
+        <p:cNvPr id="1" name=""/>
+        <p:cNvGrpSpPr/>
+        <p:nvPr/>
+      </p:nvGrpSpPr>
+      <p:grpSpPr>
+        <a:xfrm>
+          <a:off x="0" y="0"/>
+          <a:ext cx="0" cy="0"/>
+          <a:chOff x="0" y="0"/>
+          <a:chExt cx="0" cy="0"/>
+        </a:xfrm>
+      </p:grpSpPr>
+      <p:sp>
+        <p:nvSpPr>
+          <p:cNvPr id="2" name="Title 1">
+            <a:extLst>
+              <a:ext uri="{FF2B5EF4-FFF2-40B4-BE49-F238E27FC236}">
+                <a16:creationId xmlns:a16="http://schemas.microsoft.com/office/drawing/2014/main" id="{AB3D1218-6A7D-5AF1-413D-7761B41EC47B}"/>
+              </a:ext>
+            </a:extLst>
+          </p:cNvPr>
+          <p:cNvSpPr>
+            <a:spLocks noGrp="1"/>
+          </p:cNvSpPr>
+          <p:nvPr>
+            <p:ph type="title"/>
+          </p:nvPr>
+        </p:nvSpPr>
+        <p:spPr/>
+        <p:txBody>
+          <a:bodyPr/>
+          <a:lstStyle/>
+          <a:p>
+            <a:r>
+              <a:rPr lang="en-US" dirty="0"/>
+              <a:t>Proof of work</a:t>
+            </a:r>
+            <a:endParaRPr lang="th-TH" dirty="0"/>
+          </a:p>
+        </p:txBody>
+      </p:sp>
+      <p:pic>
+        <p:nvPicPr>
+          <p:cNvPr id="5" name="Content Placeholder 4">
+            <a:extLst>
+              <a:ext uri="{FF2B5EF4-FFF2-40B4-BE49-F238E27FC236}">
+                <a16:creationId xmlns:a16="http://schemas.microsoft.com/office/drawing/2014/main" id="{3AD2646F-6FD0-8E20-718B-2FE6C995BEAC}"/>
+              </a:ext>
+            </a:extLst>
+          </p:cNvPr>
+          <p:cNvPicPr>
+            <a:picLocks noGrp="1" noChangeAspect="1"/>
+          </p:cNvPicPr>
+          <p:nvPr>
+            <p:ph idx="1"/>
+          </p:nvPr>
+        </p:nvPicPr>
+        <p:blipFill>
+          <a:blip r:embed="rId2"/>
+          <a:stretch>
+            <a:fillRect/>
+          </a:stretch>
+        </p:blipFill>
+        <p:spPr>
+          <a:xfrm>
+            <a:off x="1510615" y="1846263"/>
+            <a:ext cx="9231095" cy="4022725"/>
+          </a:xfrm>
+        </p:spPr>
+      </p:pic>
+    </p:spTree>
+    <p:extLst>
+      <p:ext uri="{BB962C8B-B14F-4D97-AF65-F5344CB8AC3E}">
+        <p14:creationId xmlns:p14="http://schemas.microsoft.com/office/powerpoint/2010/main" val="2836571143"/>
+      </p:ext>
+    </p:extLst>
+  </p:cSld>
+  <p:clrMapOvr>
+    <a:masterClrMapping/>
+  </p:clrMapOvr>
+  <mc:AlternateContent xmlns:mc="http://schemas.openxmlformats.org/markup-compatibility/2006">
+    <mc:Choice xmlns:p159="http://schemas.microsoft.com/office/powerpoint/2015/09/main" Requires="p159">
+      <p:transition xmlns:p14="http://schemas.microsoft.com/office/powerpoint/2010/main" spd="slow" p14:dur="2000">
+        <p159:morph option="byObject"/>
+      </p:transition>
+    </mc:Choice>
+    <mc:Fallback>
       <p:transition spd="slow">
         <p:fade/>
       </p:transition>
@@ -4279,7 +5591,7 @@
           <p:cNvPr id="2" name="Title 1">
             <a:extLst>
               <a:ext uri="{FF2B5EF4-FFF2-40B4-BE49-F238E27FC236}">
-                <a16:creationId xmlns:a16="http://schemas.microsoft.com/office/drawing/2014/main" id="{AD6C8C41-CB75-AEE7-FF77-07DB452BEE6D}"/>
+                <a16:creationId xmlns:a16="http://schemas.microsoft.com/office/drawing/2014/main" id="{166DABD5-C156-15F3-90B9-9B4E7FEBCD0F}"/>
               </a:ext>
             </a:extLst>
           </p:cNvPr>
@@ -4297,94 +5609,501 @@
           <a:p>
             <a:r>
               <a:rPr lang="en-US" dirty="0"/>
-              <a:t>QOS</a:t>
+              <a:t>What you have done this week.</a:t>
             </a:r>
             <a:endParaRPr lang="th-TH" dirty="0"/>
           </a:p>
         </p:txBody>
       </p:sp>
-      <p:pic>
-        <p:nvPicPr>
-          <p:cNvPr id="10" name="Picture 9">
+      <p:sp>
+        <p:nvSpPr>
+          <p:cNvPr id="4" name="Rectangle 3">
             <a:extLst>
               <a:ext uri="{FF2B5EF4-FFF2-40B4-BE49-F238E27FC236}">
-                <a16:creationId xmlns:a16="http://schemas.microsoft.com/office/drawing/2014/main" id="{9A711C9B-35D6-D4B6-C50A-01C7A886E932}"/>
+                <a16:creationId xmlns:a16="http://schemas.microsoft.com/office/drawing/2014/main" id="{0EE269C2-F98E-F559-28AC-4131550636D6}"/>
               </a:ext>
             </a:extLst>
           </p:cNvPr>
-          <p:cNvPicPr>
-            <a:picLocks noChangeAspect="1"/>
-          </p:cNvPicPr>
+          <p:cNvSpPr/>
           <p:nvPr/>
-        </p:nvPicPr>
-        <p:blipFill>
-          <a:blip r:embed="rId2"/>
-          <a:stretch>
-            <a:fillRect/>
-          </a:stretch>
-        </p:blipFill>
-        <p:spPr>
-          <a:xfrm>
-            <a:off x="1179458" y="2060823"/>
-            <a:ext cx="4916542" cy="4030019"/>
+        </p:nvSpPr>
+        <p:spPr>
+          <a:xfrm>
+            <a:off x="937710" y="3628788"/>
+            <a:ext cx="1757966" cy="618186"/>
           </a:xfrm>
           <a:prstGeom prst="rect">
             <a:avLst/>
           </a:prstGeom>
         </p:spPr>
-      </p:pic>
-      <p:sp>
-        <p:nvSpPr>
-          <p:cNvPr id="3" name="TextBox 2">
+        <p:style>
+          <a:lnRef idx="3">
+            <a:schemeClr val="lt1"/>
+          </a:lnRef>
+          <a:fillRef idx="1">
+            <a:schemeClr val="dk1"/>
+          </a:fillRef>
+          <a:effectRef idx="1">
+            <a:schemeClr val="dk1"/>
+          </a:effectRef>
+          <a:fontRef idx="minor">
+            <a:schemeClr val="lt1"/>
+          </a:fontRef>
+        </p:style>
+        <p:txBody>
+          <a:bodyPr rtlCol="0" anchor="ctr"/>
+          <a:lstStyle/>
+          <a:p>
+            <a:pPr algn="ctr"/>
+            <a:r>
+              <a:rPr lang="en-US" dirty="0"/>
+              <a:t>Depth camera</a:t>
+            </a:r>
+            <a:endParaRPr lang="th-TH" dirty="0"/>
+          </a:p>
+        </p:txBody>
+      </p:sp>
+      <p:sp>
+        <p:nvSpPr>
+          <p:cNvPr id="7" name="Rectangle 6">
             <a:extLst>
               <a:ext uri="{FF2B5EF4-FFF2-40B4-BE49-F238E27FC236}">
-                <a16:creationId xmlns:a16="http://schemas.microsoft.com/office/drawing/2014/main" id="{F7907A2B-0F40-6F5D-CD02-04C34FA2C0F4}"/>
+                <a16:creationId xmlns:a16="http://schemas.microsoft.com/office/drawing/2014/main" id="{06A73F4B-F67E-0FDE-2678-26E018AFD93C}"/>
               </a:ext>
             </a:extLst>
           </p:cNvPr>
-          <p:cNvSpPr txBox="1"/>
+          <p:cNvSpPr/>
           <p:nvPr/>
         </p:nvSpPr>
         <p:spPr>
           <a:xfrm>
-            <a:off x="8220268" y="3545633"/>
-            <a:ext cx="2052735" cy="923330"/>
+            <a:off x="937710" y="2833998"/>
+            <a:ext cx="1757966" cy="618186"/>
+          </a:xfrm>
+          <a:prstGeom prst="rect">
+            <a:avLst/>
+          </a:prstGeom>
+        </p:spPr>
+        <p:style>
+          <a:lnRef idx="3">
+            <a:schemeClr val="lt1"/>
+          </a:lnRef>
+          <a:fillRef idx="1">
+            <a:schemeClr val="dk1"/>
+          </a:fillRef>
+          <a:effectRef idx="1">
+            <a:schemeClr val="dk1"/>
+          </a:effectRef>
+          <a:fontRef idx="minor">
+            <a:schemeClr val="lt1"/>
+          </a:fontRef>
+        </p:style>
+        <p:txBody>
+          <a:bodyPr rtlCol="0" anchor="ctr"/>
+          <a:lstStyle/>
+          <a:p>
+            <a:pPr algn="ctr"/>
+            <a:r>
+              <a:rPr lang="en-US" dirty="0"/>
+              <a:t>YOLO</a:t>
+            </a:r>
+            <a:endParaRPr lang="th-TH" dirty="0"/>
+          </a:p>
+        </p:txBody>
+      </p:sp>
+      <p:sp>
+        <p:nvSpPr>
+          <p:cNvPr id="11" name="Rectangle 10">
+            <a:extLst>
+              <a:ext uri="{FF2B5EF4-FFF2-40B4-BE49-F238E27FC236}">
+                <a16:creationId xmlns:a16="http://schemas.microsoft.com/office/drawing/2014/main" id="{47A2AC45-A1E4-6A46-0311-8F0FC8C4DFFF}"/>
+              </a:ext>
+            </a:extLst>
+          </p:cNvPr>
+          <p:cNvSpPr/>
+          <p:nvPr/>
+        </p:nvSpPr>
+        <p:spPr>
+          <a:xfrm>
+            <a:off x="3205323" y="3253085"/>
+            <a:ext cx="1757966" cy="618186"/>
+          </a:xfrm>
+          <a:prstGeom prst="rect">
+            <a:avLst/>
+          </a:prstGeom>
+        </p:spPr>
+        <p:style>
+          <a:lnRef idx="3">
+            <a:schemeClr val="lt1"/>
+          </a:lnRef>
+          <a:fillRef idx="1">
+            <a:schemeClr val="dk1"/>
+          </a:fillRef>
+          <a:effectRef idx="1">
+            <a:schemeClr val="dk1"/>
+          </a:effectRef>
+          <a:fontRef idx="minor">
+            <a:schemeClr val="lt1"/>
+          </a:fontRef>
+        </p:style>
+        <p:txBody>
+          <a:bodyPr rtlCol="0" anchor="ctr"/>
+          <a:lstStyle/>
+          <a:p>
+            <a:pPr algn="ctr"/>
+            <a:r>
+              <a:rPr lang="en-US" dirty="0"/>
+              <a:t>Node detection</a:t>
+            </a:r>
+            <a:endParaRPr lang="th-TH" dirty="0"/>
+          </a:p>
+        </p:txBody>
+      </p:sp>
+      <p:sp>
+        <p:nvSpPr>
+          <p:cNvPr id="19" name="Rectangle 18">
+            <a:extLst>
+              <a:ext uri="{FF2B5EF4-FFF2-40B4-BE49-F238E27FC236}">
+                <a16:creationId xmlns:a16="http://schemas.microsoft.com/office/drawing/2014/main" id="{56C63BFA-ED43-64F3-2A00-C222E6AAA276}"/>
+              </a:ext>
+            </a:extLst>
+          </p:cNvPr>
+          <p:cNvSpPr/>
+          <p:nvPr/>
+        </p:nvSpPr>
+        <p:spPr>
+          <a:xfrm>
+            <a:off x="5941547" y="4242380"/>
+            <a:ext cx="1757966" cy="618186"/>
+          </a:xfrm>
+          <a:prstGeom prst="rect">
+            <a:avLst/>
+          </a:prstGeom>
+        </p:spPr>
+        <p:style>
+          <a:lnRef idx="3">
+            <a:schemeClr val="lt1"/>
+          </a:lnRef>
+          <a:fillRef idx="1">
+            <a:schemeClr val="dk1"/>
+          </a:fillRef>
+          <a:effectRef idx="1">
+            <a:schemeClr val="dk1"/>
+          </a:effectRef>
+          <a:fontRef idx="minor">
+            <a:schemeClr val="lt1"/>
+          </a:fontRef>
+        </p:style>
+        <p:txBody>
+          <a:bodyPr rtlCol="0" anchor="ctr"/>
+          <a:lstStyle/>
+          <a:p>
+            <a:pPr algn="ctr"/>
+            <a:r>
+              <a:rPr lang="en-US" dirty="0"/>
+              <a:t>Node estimate pose</a:t>
+            </a:r>
+            <a:endParaRPr lang="th-TH" dirty="0"/>
+          </a:p>
+        </p:txBody>
+      </p:sp>
+      <p:cxnSp>
+        <p:nvCxnSpPr>
+          <p:cNvPr id="20" name="Straight Arrow Connector 19">
+            <a:extLst>
+              <a:ext uri="{FF2B5EF4-FFF2-40B4-BE49-F238E27FC236}">
+                <a16:creationId xmlns:a16="http://schemas.microsoft.com/office/drawing/2014/main" id="{CDF29739-3326-2D68-CA1B-BE27DC7BA014}"/>
+              </a:ext>
+            </a:extLst>
+          </p:cNvPr>
+          <p:cNvCxnSpPr>
+            <a:cxnSpLocks/>
+            <a:stCxn id="11" idx="3"/>
+            <a:endCxn id="19" idx="0"/>
+          </p:cNvCxnSpPr>
+          <p:nvPr/>
+        </p:nvCxnSpPr>
+        <p:spPr>
+          <a:xfrm>
+            <a:off x="4963289" y="3562178"/>
+            <a:ext cx="1857241" cy="680202"/>
+          </a:xfrm>
+          <a:prstGeom prst="straightConnector1">
+            <a:avLst/>
+          </a:prstGeom>
+          <a:ln>
+            <a:tailEnd type="triangle"/>
+          </a:ln>
+        </p:spPr>
+        <p:style>
+          <a:lnRef idx="1">
+            <a:schemeClr val="accent1"/>
+          </a:lnRef>
+          <a:fillRef idx="0">
+            <a:schemeClr val="accent1"/>
+          </a:fillRef>
+          <a:effectRef idx="0">
+            <a:schemeClr val="accent1"/>
+          </a:effectRef>
+          <a:fontRef idx="minor">
+            <a:schemeClr val="tx1"/>
+          </a:fontRef>
+        </p:style>
+      </p:cxnSp>
+      <p:cxnSp>
+        <p:nvCxnSpPr>
+          <p:cNvPr id="17" name="Connector: Elbow 16">
+            <a:extLst>
+              <a:ext uri="{FF2B5EF4-FFF2-40B4-BE49-F238E27FC236}">
+                <a16:creationId xmlns:a16="http://schemas.microsoft.com/office/drawing/2014/main" id="{9F15EAE2-BEB0-8A4A-B669-B7FC9EF4AAEB}"/>
+              </a:ext>
+            </a:extLst>
+          </p:cNvPr>
+          <p:cNvCxnSpPr>
+            <a:stCxn id="4" idx="2"/>
+            <a:endCxn id="19" idx="1"/>
+          </p:cNvCxnSpPr>
+          <p:nvPr/>
+        </p:nvCxnSpPr>
+        <p:spPr>
+          <a:xfrm rot="16200000" flipH="1">
+            <a:off x="3726871" y="2336796"/>
+            <a:ext cx="304499" cy="4124854"/>
+          </a:xfrm>
+          <a:prstGeom prst="bentConnector2">
+            <a:avLst/>
+          </a:prstGeom>
+          <a:ln>
+            <a:tailEnd type="triangle"/>
+          </a:ln>
+        </p:spPr>
+        <p:style>
+          <a:lnRef idx="1">
+            <a:schemeClr val="accent1"/>
+          </a:lnRef>
+          <a:fillRef idx="0">
+            <a:schemeClr val="accent1"/>
+          </a:fillRef>
+          <a:effectRef idx="0">
+            <a:schemeClr val="accent1"/>
+          </a:effectRef>
+          <a:fontRef idx="minor">
+            <a:schemeClr val="tx1"/>
+          </a:fontRef>
+        </p:style>
+      </p:cxnSp>
+      <p:sp>
+        <p:nvSpPr>
+          <p:cNvPr id="21" name="Right Brace 20">
+            <a:extLst>
+              <a:ext uri="{FF2B5EF4-FFF2-40B4-BE49-F238E27FC236}">
+                <a16:creationId xmlns:a16="http://schemas.microsoft.com/office/drawing/2014/main" id="{D38B12D5-E6AD-87F7-F331-B2B383A4D8F8}"/>
+              </a:ext>
+            </a:extLst>
+          </p:cNvPr>
+          <p:cNvSpPr/>
+          <p:nvPr/>
+        </p:nvSpPr>
+        <p:spPr>
+          <a:xfrm>
+            <a:off x="8033657" y="2621902"/>
+            <a:ext cx="681131" cy="2498739"/>
+          </a:xfrm>
+          <a:prstGeom prst="rightBrace">
+            <a:avLst/>
+          </a:prstGeom>
+        </p:spPr>
+        <p:style>
+          <a:lnRef idx="1">
+            <a:schemeClr val="accent1"/>
+          </a:lnRef>
+          <a:fillRef idx="0">
+            <a:schemeClr val="accent1"/>
+          </a:fillRef>
+          <a:effectRef idx="0">
+            <a:schemeClr val="accent1"/>
+          </a:effectRef>
+          <a:fontRef idx="minor">
+            <a:schemeClr val="tx1"/>
+          </a:fontRef>
+        </p:style>
+        <p:txBody>
+          <a:bodyPr rtlCol="0" anchor="ctr"/>
+          <a:lstStyle/>
+          <a:p>
+            <a:pPr algn="ctr"/>
+            <a:endParaRPr lang="th-TH"/>
+          </a:p>
+        </p:txBody>
+      </p:sp>
+      <p:sp>
+        <p:nvSpPr>
+          <p:cNvPr id="24" name="Rectangle 23">
+            <a:extLst>
+              <a:ext uri="{FF2B5EF4-FFF2-40B4-BE49-F238E27FC236}">
+                <a16:creationId xmlns:a16="http://schemas.microsoft.com/office/drawing/2014/main" id="{5B4911ED-ADE8-ECFF-EF48-8489DD6F63BC}"/>
+              </a:ext>
+            </a:extLst>
+          </p:cNvPr>
+          <p:cNvSpPr/>
+          <p:nvPr/>
+        </p:nvSpPr>
+        <p:spPr>
+          <a:xfrm>
+            <a:off x="8878933" y="3562178"/>
+            <a:ext cx="1757966" cy="618186"/>
+          </a:xfrm>
+          <a:prstGeom prst="rect">
+            <a:avLst/>
+          </a:prstGeom>
+        </p:spPr>
+        <p:style>
+          <a:lnRef idx="3">
+            <a:schemeClr val="lt1"/>
+          </a:lnRef>
+          <a:fillRef idx="1">
+            <a:schemeClr val="dk1"/>
+          </a:fillRef>
+          <a:effectRef idx="1">
+            <a:schemeClr val="dk1"/>
+          </a:effectRef>
+          <a:fontRef idx="minor">
+            <a:schemeClr val="lt1"/>
+          </a:fontRef>
+        </p:style>
+        <p:txBody>
+          <a:bodyPr rtlCol="0" anchor="ctr"/>
+          <a:lstStyle/>
+          <a:p>
+            <a:pPr algn="ctr"/>
+            <a:r>
+              <a:rPr lang="en-US" dirty="0"/>
+              <a:t>Testing on road</a:t>
+            </a:r>
+            <a:endParaRPr lang="th-TH" dirty="0"/>
+          </a:p>
+        </p:txBody>
+      </p:sp>
+      <p:sp>
+        <p:nvSpPr>
+          <p:cNvPr id="27" name="Rectangle 26">
+            <a:extLst>
+              <a:ext uri="{FF2B5EF4-FFF2-40B4-BE49-F238E27FC236}">
+                <a16:creationId xmlns:a16="http://schemas.microsoft.com/office/drawing/2014/main" id="{6D7D6E39-2396-7662-0DF1-9B6562C44EB0}"/>
+              </a:ext>
+            </a:extLst>
+          </p:cNvPr>
+          <p:cNvSpPr/>
+          <p:nvPr/>
+        </p:nvSpPr>
+        <p:spPr>
+          <a:xfrm>
+            <a:off x="682886" y="2621901"/>
+            <a:ext cx="7186626" cy="2579441"/>
           </a:xfrm>
           <a:prstGeom prst="rect">
             <a:avLst/>
           </a:prstGeom>
           <a:noFill/>
-        </p:spPr>
-        <p:txBody>
-          <a:bodyPr wrap="square" rtlCol="0">
-            <a:spAutoFit/>
-          </a:bodyPr>
-          <a:lstStyle/>
-          <a:p>
-            <a:r>
-              <a:rPr lang="en-US" dirty="0">
-                <a:hlinkClick r:id="rId3"/>
-              </a:rPr>
-              <a:t>https://docs.ros2.org/foxy/api/rclpy/api/qos.html</a:t>
-            </a:r>
-            <a:r>
-              <a:rPr lang="en-US" dirty="0"/>
-              <a:t> </a:t>
-            </a:r>
-            <a:endParaRPr lang="th-TH" dirty="0"/>
+          <a:ln w="76200" cap="flat" cmpd="sng" algn="ctr">
+            <a:solidFill>
+              <a:schemeClr val="accent1"/>
+            </a:solidFill>
+            <a:prstDash val="solid"/>
+            <a:round/>
+            <a:headEnd type="none" w="med" len="med"/>
+            <a:tailEnd type="none" w="med" len="med"/>
+          </a:ln>
+        </p:spPr>
+        <p:style>
+          <a:lnRef idx="0">
+            <a:scrgbClr r="0" g="0" b="0"/>
+          </a:lnRef>
+          <a:fillRef idx="0">
+            <a:scrgbClr r="0" g="0" b="0"/>
+          </a:fillRef>
+          <a:effectRef idx="0">
+            <a:scrgbClr r="0" g="0" b="0"/>
+          </a:effectRef>
+          <a:fontRef idx="minor">
+            <a:schemeClr val="accent1"/>
+          </a:fontRef>
+        </p:style>
+        <p:txBody>
+          <a:bodyPr rtlCol="0" anchor="ctr"/>
+          <a:lstStyle/>
+          <a:p>
+            <a:pPr algn="ctr"/>
+            <a:endParaRPr lang="th-TH"/>
+          </a:p>
+        </p:txBody>
+      </p:sp>
+      <p:sp>
+        <p:nvSpPr>
+          <p:cNvPr id="39" name="Right Brace 38">
+            <a:extLst>
+              <a:ext uri="{FF2B5EF4-FFF2-40B4-BE49-F238E27FC236}">
+                <a16:creationId xmlns:a16="http://schemas.microsoft.com/office/drawing/2014/main" id="{C7FCF1D3-ADC9-7AE2-A654-79ACDA4083E4}"/>
+              </a:ext>
+            </a:extLst>
+          </p:cNvPr>
+          <p:cNvSpPr/>
+          <p:nvPr/>
+        </p:nvSpPr>
+        <p:spPr>
+          <a:xfrm>
+            <a:off x="2731231" y="3152038"/>
+            <a:ext cx="438537" cy="794790"/>
+          </a:xfrm>
+          <a:prstGeom prst="rightBrace">
+            <a:avLst/>
+          </a:prstGeom>
+        </p:spPr>
+        <p:style>
+          <a:lnRef idx="1">
+            <a:schemeClr val="accent1"/>
+          </a:lnRef>
+          <a:fillRef idx="0">
+            <a:schemeClr val="accent1"/>
+          </a:fillRef>
+          <a:effectRef idx="0">
+            <a:schemeClr val="accent1"/>
+          </a:effectRef>
+          <a:fontRef idx="minor">
+            <a:schemeClr val="tx1"/>
+          </a:fontRef>
+        </p:style>
+        <p:txBody>
+          <a:bodyPr rtlCol="0" anchor="ctr"/>
+          <a:lstStyle/>
+          <a:p>
+            <a:pPr algn="ctr"/>
+            <a:endParaRPr lang="th-TH"/>
           </a:p>
         </p:txBody>
       </p:sp>
     </p:spTree>
     <p:extLst>
       <p:ext uri="{BB962C8B-B14F-4D97-AF65-F5344CB8AC3E}">
-        <p14:creationId xmlns:p14="http://schemas.microsoft.com/office/powerpoint/2010/main" val="3091889604"/>
+        <p14:creationId xmlns:p14="http://schemas.microsoft.com/office/powerpoint/2010/main" val="1703387884"/>
       </p:ext>
     </p:extLst>
   </p:cSld>
   <p:clrMapOvr>
     <a:masterClrMapping/>
   </p:clrMapOvr>
+  <mc:AlternateContent xmlns:mc="http://schemas.openxmlformats.org/markup-compatibility/2006">
+    <mc:Choice xmlns:p159="http://schemas.microsoft.com/office/powerpoint/2015/09/main" Requires="p159">
+      <p:transition xmlns:p14="http://schemas.microsoft.com/office/powerpoint/2010/main" spd="slow" p14:dur="2000">
+        <p159:morph option="byObject"/>
+      </p:transition>
+    </mc:Choice>
+    <mc:Fallback>
+      <p:transition spd="slow">
+        <p:fade/>
+      </p:transition>
+    </mc:Fallback>
+  </mc:AlternateContent>
 </p:sld>
 </file>
 
@@ -4410,7 +6129,7 @@
           <p:cNvPr id="2" name="Title 1">
             <a:extLst>
               <a:ext uri="{FF2B5EF4-FFF2-40B4-BE49-F238E27FC236}">
-                <a16:creationId xmlns:a16="http://schemas.microsoft.com/office/drawing/2014/main" id="{35806913-C7B5-AA54-79E5-060AC2649D61}"/>
+                <a16:creationId xmlns:a16="http://schemas.microsoft.com/office/drawing/2014/main" id="{166DABD5-C156-15F3-90B9-9B4E7FEBCD0F}"/>
               </a:ext>
             </a:extLst>
           </p:cNvPr>
@@ -4428,169 +6147,501 @@
           <a:p>
             <a:r>
               <a:rPr lang="en-US" dirty="0"/>
-              <a:t>QOS</a:t>
+              <a:t>What you have done this week.</a:t>
             </a:r>
             <a:endParaRPr lang="th-TH" dirty="0"/>
           </a:p>
         </p:txBody>
       </p:sp>
-      <p:pic>
-        <p:nvPicPr>
-          <p:cNvPr id="6" name="Picture 5">
+      <p:sp>
+        <p:nvSpPr>
+          <p:cNvPr id="4" name="Rectangle 3">
             <a:extLst>
               <a:ext uri="{FF2B5EF4-FFF2-40B4-BE49-F238E27FC236}">
-                <a16:creationId xmlns:a16="http://schemas.microsoft.com/office/drawing/2014/main" id="{35BADFFD-0972-7737-0E12-6187984E2287}"/>
+                <a16:creationId xmlns:a16="http://schemas.microsoft.com/office/drawing/2014/main" id="{0EE269C2-F98E-F559-28AC-4131550636D6}"/>
               </a:ext>
             </a:extLst>
           </p:cNvPr>
-          <p:cNvPicPr>
-            <a:picLocks noChangeAspect="1"/>
-          </p:cNvPicPr>
+          <p:cNvSpPr/>
           <p:nvPr/>
-        </p:nvPicPr>
-        <p:blipFill rotWithShape="1">
-          <a:blip r:embed="rId2"/>
-          <a:srcRect t="19721"/>
-          <a:stretch/>
-        </p:blipFill>
-        <p:spPr>
-          <a:xfrm>
-            <a:off x="919965" y="2854388"/>
-            <a:ext cx="3124200" cy="2286319"/>
+        </p:nvSpPr>
+        <p:spPr>
+          <a:xfrm>
+            <a:off x="937710" y="3628788"/>
+            <a:ext cx="1757966" cy="618186"/>
           </a:xfrm>
           <a:prstGeom prst="rect">
             <a:avLst/>
           </a:prstGeom>
         </p:spPr>
-      </p:pic>
-      <p:pic>
-        <p:nvPicPr>
-          <p:cNvPr id="8" name="Picture 7">
+        <p:style>
+          <a:lnRef idx="3">
+            <a:schemeClr val="lt1"/>
+          </a:lnRef>
+          <a:fillRef idx="1">
+            <a:schemeClr val="dk1"/>
+          </a:fillRef>
+          <a:effectRef idx="1">
+            <a:schemeClr val="dk1"/>
+          </a:effectRef>
+          <a:fontRef idx="minor">
+            <a:schemeClr val="lt1"/>
+          </a:fontRef>
+        </p:style>
+        <p:txBody>
+          <a:bodyPr rtlCol="0" anchor="ctr"/>
+          <a:lstStyle/>
+          <a:p>
+            <a:pPr algn="ctr"/>
+            <a:r>
+              <a:rPr lang="en-US" dirty="0"/>
+              <a:t>Depth camera</a:t>
+            </a:r>
+            <a:endParaRPr lang="th-TH" dirty="0"/>
+          </a:p>
+        </p:txBody>
+      </p:sp>
+      <p:sp>
+        <p:nvSpPr>
+          <p:cNvPr id="7" name="Rectangle 6">
             <a:extLst>
               <a:ext uri="{FF2B5EF4-FFF2-40B4-BE49-F238E27FC236}">
-                <a16:creationId xmlns:a16="http://schemas.microsoft.com/office/drawing/2014/main" id="{59FE27F9-612D-BC22-5E3B-F1BDE87910EB}"/>
+                <a16:creationId xmlns:a16="http://schemas.microsoft.com/office/drawing/2014/main" id="{06A73F4B-F67E-0FDE-2678-26E018AFD93C}"/>
               </a:ext>
             </a:extLst>
           </p:cNvPr>
-          <p:cNvPicPr>
-            <a:picLocks noChangeAspect="1"/>
-          </p:cNvPicPr>
+          <p:cNvSpPr/>
           <p:nvPr/>
-        </p:nvPicPr>
-        <p:blipFill>
-          <a:blip r:embed="rId3"/>
-          <a:stretch>
-            <a:fillRect/>
-          </a:stretch>
-        </p:blipFill>
-        <p:spPr>
-          <a:xfrm>
-            <a:off x="4467273" y="3000516"/>
-            <a:ext cx="3258005" cy="2019582"/>
+        </p:nvSpPr>
+        <p:spPr>
+          <a:xfrm>
+            <a:off x="937710" y="2833998"/>
+            <a:ext cx="1757966" cy="618186"/>
           </a:xfrm>
           <a:prstGeom prst="rect">
             <a:avLst/>
           </a:prstGeom>
         </p:spPr>
-      </p:pic>
-      <p:pic>
-        <p:nvPicPr>
-          <p:cNvPr id="10" name="Picture 9">
+        <p:style>
+          <a:lnRef idx="3">
+            <a:schemeClr val="lt1"/>
+          </a:lnRef>
+          <a:fillRef idx="1">
+            <a:schemeClr val="dk1"/>
+          </a:fillRef>
+          <a:effectRef idx="1">
+            <a:schemeClr val="dk1"/>
+          </a:effectRef>
+          <a:fontRef idx="minor">
+            <a:schemeClr val="lt1"/>
+          </a:fontRef>
+        </p:style>
+        <p:txBody>
+          <a:bodyPr rtlCol="0" anchor="ctr"/>
+          <a:lstStyle/>
+          <a:p>
+            <a:pPr algn="ctr"/>
+            <a:r>
+              <a:rPr lang="en-US" dirty="0"/>
+              <a:t>YOLO</a:t>
+            </a:r>
+            <a:endParaRPr lang="th-TH" dirty="0"/>
+          </a:p>
+        </p:txBody>
+      </p:sp>
+      <p:sp>
+        <p:nvSpPr>
+          <p:cNvPr id="11" name="Rectangle 10">
             <a:extLst>
               <a:ext uri="{FF2B5EF4-FFF2-40B4-BE49-F238E27FC236}">
-                <a16:creationId xmlns:a16="http://schemas.microsoft.com/office/drawing/2014/main" id="{E6C61027-0D95-88F0-F2E0-C234C1C654A9}"/>
+                <a16:creationId xmlns:a16="http://schemas.microsoft.com/office/drawing/2014/main" id="{47A2AC45-A1E4-6A46-0311-8F0FC8C4DFFF}"/>
               </a:ext>
             </a:extLst>
           </p:cNvPr>
-          <p:cNvPicPr>
-            <a:picLocks noChangeAspect="1"/>
-          </p:cNvPicPr>
+          <p:cNvSpPr/>
           <p:nvPr/>
-        </p:nvPicPr>
-        <p:blipFill>
-          <a:blip r:embed="rId4"/>
-          <a:stretch>
-            <a:fillRect/>
-          </a:stretch>
-        </p:blipFill>
-        <p:spPr>
-          <a:xfrm>
-            <a:off x="8049742" y="1146483"/>
-            <a:ext cx="3801005" cy="5115639"/>
+        </p:nvSpPr>
+        <p:spPr>
+          <a:xfrm>
+            <a:off x="3205323" y="3253085"/>
+            <a:ext cx="1757966" cy="618186"/>
           </a:xfrm>
           <a:prstGeom prst="rect">
             <a:avLst/>
           </a:prstGeom>
         </p:spPr>
-      </p:pic>
-      <p:pic>
-        <p:nvPicPr>
-          <p:cNvPr id="13" name="Picture 12">
+        <p:style>
+          <a:lnRef idx="3">
+            <a:schemeClr val="lt1"/>
+          </a:lnRef>
+          <a:fillRef idx="1">
+            <a:schemeClr val="dk1"/>
+          </a:fillRef>
+          <a:effectRef idx="1">
+            <a:schemeClr val="dk1"/>
+          </a:effectRef>
+          <a:fontRef idx="minor">
+            <a:schemeClr val="lt1"/>
+          </a:fontRef>
+        </p:style>
+        <p:txBody>
+          <a:bodyPr rtlCol="0" anchor="ctr"/>
+          <a:lstStyle/>
+          <a:p>
+            <a:pPr algn="ctr"/>
+            <a:r>
+              <a:rPr lang="en-US" dirty="0"/>
+              <a:t>Node detection</a:t>
+            </a:r>
+            <a:endParaRPr lang="th-TH" dirty="0"/>
+          </a:p>
+        </p:txBody>
+      </p:sp>
+      <p:sp>
+        <p:nvSpPr>
+          <p:cNvPr id="19" name="Rectangle 18">
             <a:extLst>
               <a:ext uri="{FF2B5EF4-FFF2-40B4-BE49-F238E27FC236}">
-                <a16:creationId xmlns:a16="http://schemas.microsoft.com/office/drawing/2014/main" id="{C7D296E4-893F-581E-03FC-7A2B347CE1AD}"/>
+                <a16:creationId xmlns:a16="http://schemas.microsoft.com/office/drawing/2014/main" id="{56C63BFA-ED43-64F3-2A00-C222E6AAA276}"/>
               </a:ext>
             </a:extLst>
           </p:cNvPr>
-          <p:cNvPicPr>
-            <a:picLocks noChangeAspect="1"/>
-          </p:cNvPicPr>
+          <p:cNvSpPr/>
           <p:nvPr/>
-        </p:nvPicPr>
-        <p:blipFill rotWithShape="1">
-          <a:blip r:embed="rId5"/>
-          <a:srcRect l="46459" r="473" b="49879"/>
-          <a:stretch/>
-        </p:blipFill>
-        <p:spPr>
-          <a:xfrm>
-            <a:off x="667501" y="2094035"/>
-            <a:ext cx="3999255" cy="291025"/>
+        </p:nvSpPr>
+        <p:spPr>
+          <a:xfrm>
+            <a:off x="5941547" y="4242380"/>
+            <a:ext cx="1757966" cy="618186"/>
           </a:xfrm>
           <a:prstGeom prst="rect">
             <a:avLst/>
           </a:prstGeom>
         </p:spPr>
-      </p:pic>
-      <p:pic>
-        <p:nvPicPr>
-          <p:cNvPr id="14" name="Picture 13">
+        <p:style>
+          <a:lnRef idx="3">
+            <a:schemeClr val="lt1"/>
+          </a:lnRef>
+          <a:fillRef idx="1">
+            <a:schemeClr val="dk1"/>
+          </a:fillRef>
+          <a:effectRef idx="1">
+            <a:schemeClr val="dk1"/>
+          </a:effectRef>
+          <a:fontRef idx="minor">
+            <a:schemeClr val="lt1"/>
+          </a:fontRef>
+        </p:style>
+        <p:txBody>
+          <a:bodyPr rtlCol="0" anchor="ctr"/>
+          <a:lstStyle/>
+          <a:p>
+            <a:pPr algn="ctr"/>
+            <a:r>
+              <a:rPr lang="en-US" dirty="0"/>
+              <a:t>Node estimate pose</a:t>
+            </a:r>
+            <a:endParaRPr lang="th-TH" dirty="0"/>
+          </a:p>
+        </p:txBody>
+      </p:sp>
+      <p:cxnSp>
+        <p:nvCxnSpPr>
+          <p:cNvPr id="20" name="Straight Arrow Connector 19">
             <a:extLst>
               <a:ext uri="{FF2B5EF4-FFF2-40B4-BE49-F238E27FC236}">
-                <a16:creationId xmlns:a16="http://schemas.microsoft.com/office/drawing/2014/main" id="{C0DB3AB0-3C5D-053C-F5A9-F2A862F7419C}"/>
+                <a16:creationId xmlns:a16="http://schemas.microsoft.com/office/drawing/2014/main" id="{CDF29739-3326-2D68-CA1B-BE27DC7BA014}"/>
               </a:ext>
             </a:extLst>
           </p:cNvPr>
-          <p:cNvPicPr>
-            <a:picLocks noChangeAspect="1"/>
-          </p:cNvPicPr>
+          <p:cNvCxnSpPr>
+            <a:cxnSpLocks/>
+            <a:stCxn id="11" idx="3"/>
+            <a:endCxn id="19" idx="0"/>
+          </p:cNvCxnSpPr>
           <p:nvPr/>
-        </p:nvPicPr>
-        <p:blipFill rotWithShape="1">
-          <a:blip r:embed="rId5"/>
-          <a:srcRect l="46523" t="42568" r="4172"/>
-          <a:stretch/>
-        </p:blipFill>
-        <p:spPr>
-          <a:xfrm>
-            <a:off x="4614394" y="2564214"/>
-            <a:ext cx="2865120" cy="257147"/>
+        </p:nvCxnSpPr>
+        <p:spPr>
+          <a:xfrm>
+            <a:off x="4963289" y="3562178"/>
+            <a:ext cx="1857241" cy="680202"/>
+          </a:xfrm>
+          <a:prstGeom prst="straightConnector1">
+            <a:avLst/>
+          </a:prstGeom>
+          <a:ln>
+            <a:tailEnd type="triangle"/>
+          </a:ln>
+        </p:spPr>
+        <p:style>
+          <a:lnRef idx="1">
+            <a:schemeClr val="accent1"/>
+          </a:lnRef>
+          <a:fillRef idx="0">
+            <a:schemeClr val="accent1"/>
+          </a:fillRef>
+          <a:effectRef idx="0">
+            <a:schemeClr val="accent1"/>
+          </a:effectRef>
+          <a:fontRef idx="minor">
+            <a:schemeClr val="tx1"/>
+          </a:fontRef>
+        </p:style>
+      </p:cxnSp>
+      <p:cxnSp>
+        <p:nvCxnSpPr>
+          <p:cNvPr id="17" name="Connector: Elbow 16">
+            <a:extLst>
+              <a:ext uri="{FF2B5EF4-FFF2-40B4-BE49-F238E27FC236}">
+                <a16:creationId xmlns:a16="http://schemas.microsoft.com/office/drawing/2014/main" id="{9F15EAE2-BEB0-8A4A-B669-B7FC9EF4AAEB}"/>
+              </a:ext>
+            </a:extLst>
+          </p:cNvPr>
+          <p:cNvCxnSpPr>
+            <a:stCxn id="4" idx="2"/>
+            <a:endCxn id="19" idx="1"/>
+          </p:cNvCxnSpPr>
+          <p:nvPr/>
+        </p:nvCxnSpPr>
+        <p:spPr>
+          <a:xfrm rot="16200000" flipH="1">
+            <a:off x="3726871" y="2336796"/>
+            <a:ext cx="304499" cy="4124854"/>
+          </a:xfrm>
+          <a:prstGeom prst="bentConnector2">
+            <a:avLst/>
+          </a:prstGeom>
+          <a:ln>
+            <a:tailEnd type="triangle"/>
+          </a:ln>
+        </p:spPr>
+        <p:style>
+          <a:lnRef idx="1">
+            <a:schemeClr val="accent1"/>
+          </a:lnRef>
+          <a:fillRef idx="0">
+            <a:schemeClr val="accent1"/>
+          </a:fillRef>
+          <a:effectRef idx="0">
+            <a:schemeClr val="accent1"/>
+          </a:effectRef>
+          <a:fontRef idx="minor">
+            <a:schemeClr val="tx1"/>
+          </a:fontRef>
+        </p:style>
+      </p:cxnSp>
+      <p:sp>
+        <p:nvSpPr>
+          <p:cNvPr id="21" name="Right Brace 20">
+            <a:extLst>
+              <a:ext uri="{FF2B5EF4-FFF2-40B4-BE49-F238E27FC236}">
+                <a16:creationId xmlns:a16="http://schemas.microsoft.com/office/drawing/2014/main" id="{D38B12D5-E6AD-87F7-F331-B2B383A4D8F8}"/>
+              </a:ext>
+            </a:extLst>
+          </p:cNvPr>
+          <p:cNvSpPr/>
+          <p:nvPr/>
+        </p:nvSpPr>
+        <p:spPr>
+          <a:xfrm>
+            <a:off x="8033657" y="2621902"/>
+            <a:ext cx="681131" cy="2498739"/>
+          </a:xfrm>
+          <a:prstGeom prst="rightBrace">
+            <a:avLst/>
+          </a:prstGeom>
+        </p:spPr>
+        <p:style>
+          <a:lnRef idx="1">
+            <a:schemeClr val="accent1"/>
+          </a:lnRef>
+          <a:fillRef idx="0">
+            <a:schemeClr val="accent1"/>
+          </a:fillRef>
+          <a:effectRef idx="0">
+            <a:schemeClr val="accent1"/>
+          </a:effectRef>
+          <a:fontRef idx="minor">
+            <a:schemeClr val="tx1"/>
+          </a:fontRef>
+        </p:style>
+        <p:txBody>
+          <a:bodyPr rtlCol="0" anchor="ctr"/>
+          <a:lstStyle/>
+          <a:p>
+            <a:pPr algn="ctr"/>
+            <a:endParaRPr lang="th-TH"/>
+          </a:p>
+        </p:txBody>
+      </p:sp>
+      <p:sp>
+        <p:nvSpPr>
+          <p:cNvPr id="24" name="Rectangle 23">
+            <a:extLst>
+              <a:ext uri="{FF2B5EF4-FFF2-40B4-BE49-F238E27FC236}">
+                <a16:creationId xmlns:a16="http://schemas.microsoft.com/office/drawing/2014/main" id="{5B4911ED-ADE8-ECFF-EF48-8489DD6F63BC}"/>
+              </a:ext>
+            </a:extLst>
+          </p:cNvPr>
+          <p:cNvSpPr/>
+          <p:nvPr/>
+        </p:nvSpPr>
+        <p:spPr>
+          <a:xfrm>
+            <a:off x="8878933" y="3562178"/>
+            <a:ext cx="1757966" cy="618186"/>
           </a:xfrm>
           <a:prstGeom prst="rect">
             <a:avLst/>
           </a:prstGeom>
         </p:spPr>
-      </p:pic>
+        <p:style>
+          <a:lnRef idx="3">
+            <a:schemeClr val="lt1"/>
+          </a:lnRef>
+          <a:fillRef idx="1">
+            <a:schemeClr val="dk1"/>
+          </a:fillRef>
+          <a:effectRef idx="1">
+            <a:schemeClr val="dk1"/>
+          </a:effectRef>
+          <a:fontRef idx="minor">
+            <a:schemeClr val="lt1"/>
+          </a:fontRef>
+        </p:style>
+        <p:txBody>
+          <a:bodyPr rtlCol="0" anchor="ctr"/>
+          <a:lstStyle/>
+          <a:p>
+            <a:pPr algn="ctr"/>
+            <a:r>
+              <a:rPr lang="en-US" dirty="0"/>
+              <a:t>Testing</a:t>
+            </a:r>
+            <a:endParaRPr lang="th-TH" dirty="0"/>
+          </a:p>
+        </p:txBody>
+      </p:sp>
+      <p:sp>
+        <p:nvSpPr>
+          <p:cNvPr id="27" name="Rectangle 26">
+            <a:extLst>
+              <a:ext uri="{FF2B5EF4-FFF2-40B4-BE49-F238E27FC236}">
+                <a16:creationId xmlns:a16="http://schemas.microsoft.com/office/drawing/2014/main" id="{6D7D6E39-2396-7662-0DF1-9B6562C44EB0}"/>
+              </a:ext>
+            </a:extLst>
+          </p:cNvPr>
+          <p:cNvSpPr/>
+          <p:nvPr/>
+        </p:nvSpPr>
+        <p:spPr>
+          <a:xfrm>
+            <a:off x="3205323" y="3253084"/>
+            <a:ext cx="1757966" cy="618187"/>
+          </a:xfrm>
+          <a:prstGeom prst="rect">
+            <a:avLst/>
+          </a:prstGeom>
+          <a:noFill/>
+          <a:ln w="76200" cap="flat" cmpd="sng" algn="ctr">
+            <a:solidFill>
+              <a:schemeClr val="accent1"/>
+            </a:solidFill>
+            <a:prstDash val="solid"/>
+            <a:round/>
+            <a:headEnd type="none" w="med" len="med"/>
+            <a:tailEnd type="none" w="med" len="med"/>
+          </a:ln>
+        </p:spPr>
+        <p:style>
+          <a:lnRef idx="0">
+            <a:scrgbClr r="0" g="0" b="0"/>
+          </a:lnRef>
+          <a:fillRef idx="0">
+            <a:scrgbClr r="0" g="0" b="0"/>
+          </a:fillRef>
+          <a:effectRef idx="0">
+            <a:scrgbClr r="0" g="0" b="0"/>
+          </a:effectRef>
+          <a:fontRef idx="minor">
+            <a:schemeClr val="accent1"/>
+          </a:fontRef>
+        </p:style>
+        <p:txBody>
+          <a:bodyPr rtlCol="0" anchor="ctr"/>
+          <a:lstStyle/>
+          <a:p>
+            <a:pPr algn="ctr"/>
+            <a:endParaRPr lang="th-TH"/>
+          </a:p>
+        </p:txBody>
+      </p:sp>
+      <p:sp>
+        <p:nvSpPr>
+          <p:cNvPr id="39" name="Right Brace 38">
+            <a:extLst>
+              <a:ext uri="{FF2B5EF4-FFF2-40B4-BE49-F238E27FC236}">
+                <a16:creationId xmlns:a16="http://schemas.microsoft.com/office/drawing/2014/main" id="{C7FCF1D3-ADC9-7AE2-A654-79ACDA4083E4}"/>
+              </a:ext>
+            </a:extLst>
+          </p:cNvPr>
+          <p:cNvSpPr/>
+          <p:nvPr/>
+        </p:nvSpPr>
+        <p:spPr>
+          <a:xfrm>
+            <a:off x="2731231" y="3152038"/>
+            <a:ext cx="438537" cy="794790"/>
+          </a:xfrm>
+          <a:prstGeom prst="rightBrace">
+            <a:avLst/>
+          </a:prstGeom>
+        </p:spPr>
+        <p:style>
+          <a:lnRef idx="1">
+            <a:schemeClr val="accent1"/>
+          </a:lnRef>
+          <a:fillRef idx="0">
+            <a:schemeClr val="accent1"/>
+          </a:fillRef>
+          <a:effectRef idx="0">
+            <a:schemeClr val="accent1"/>
+          </a:effectRef>
+          <a:fontRef idx="minor">
+            <a:schemeClr val="tx1"/>
+          </a:fontRef>
+        </p:style>
+        <p:txBody>
+          <a:bodyPr rtlCol="0" anchor="ctr"/>
+          <a:lstStyle/>
+          <a:p>
+            <a:pPr algn="ctr"/>
+            <a:endParaRPr lang="th-TH"/>
+          </a:p>
+        </p:txBody>
+      </p:sp>
     </p:spTree>
     <p:extLst>
       <p:ext uri="{BB962C8B-B14F-4D97-AF65-F5344CB8AC3E}">
-        <p14:creationId xmlns:p14="http://schemas.microsoft.com/office/powerpoint/2010/main" val="2070575535"/>
+        <p14:creationId xmlns:p14="http://schemas.microsoft.com/office/powerpoint/2010/main" val="160616640"/>
       </p:ext>
     </p:extLst>
   </p:cSld>
   <p:clrMapOvr>
     <a:masterClrMapping/>
   </p:clrMapOvr>
+  <mc:AlternateContent xmlns:mc="http://schemas.openxmlformats.org/markup-compatibility/2006">
+    <mc:Choice xmlns:p159="http://schemas.microsoft.com/office/powerpoint/2015/09/main" Requires="p159">
+      <p:transition xmlns:p14="http://schemas.microsoft.com/office/powerpoint/2010/main" spd="slow" p14:dur="2000">
+        <p159:morph option="byObject"/>
+      </p:transition>
+    </mc:Choice>
+    <mc:Fallback>
+      <p:transition spd="slow">
+        <p:fade/>
+      </p:transition>
+    </mc:Fallback>
+  </mc:AlternateContent>
 </p:sld>
 </file>
 
@@ -4613,44 +6664,351 @@
       </p:grpSpPr>
       <p:pic>
         <p:nvPicPr>
-          <p:cNvPr id="5" name="Picture 4">
+          <p:cNvPr id="1030" name="Picture 6" descr="Topics vs. Services vs. Actions in ROS2-Based Projects – Automatic Addison">
             <a:extLst>
               <a:ext uri="{FF2B5EF4-FFF2-40B4-BE49-F238E27FC236}">
-                <a16:creationId xmlns:a16="http://schemas.microsoft.com/office/drawing/2014/main" id="{51DD7CCD-FC03-11B9-AE22-4903EFB25F83}"/>
+                <a16:creationId xmlns:a16="http://schemas.microsoft.com/office/drawing/2014/main" id="{FFDF3324-C77E-93D8-D384-9F5A395591D3}"/>
               </a:ext>
             </a:extLst>
           </p:cNvPr>
           <p:cNvPicPr>
-            <a:picLocks noChangeAspect="1"/>
+            <a:picLocks noChangeAspect="1" noChangeArrowheads="1"/>
           </p:cNvPicPr>
           <p:nvPr/>
         </p:nvPicPr>
         <p:blipFill>
-          <a:blip r:embed="rId2"/>
+          <a:blip r:embed="rId2">
+            <a:extLst>
+              <a:ext uri="{28A0092B-C50C-407E-A947-70E740481C1C}">
+                <a14:useLocalDpi xmlns:a14="http://schemas.microsoft.com/office/drawing/2010/main" val="0"/>
+              </a:ext>
+            </a:extLst>
+          </a:blip>
+          <a:srcRect/>
           <a:stretch>
             <a:fillRect/>
           </a:stretch>
         </p:blipFill>
-        <p:spPr>
-          <a:xfrm>
-            <a:off x="1737731" y="0"/>
-            <a:ext cx="8716537" cy="6858000"/>
+        <p:spPr bwMode="auto">
+          <a:xfrm>
+            <a:off x="2052484" y="1737360"/>
+            <a:ext cx="7897761" cy="4534631"/>
           </a:xfrm>
           <a:prstGeom prst="rect">
             <a:avLst/>
           </a:prstGeom>
+          <a:noFill/>
+          <a:extLst>
+            <a:ext uri="{909E8E84-426E-40DD-AFC4-6F175D3DCCD1}">
+              <a14:hiddenFill xmlns:a14="http://schemas.microsoft.com/office/drawing/2010/main">
+                <a:solidFill>
+                  <a:srgbClr val="FFFFFF"/>
+                </a:solidFill>
+              </a14:hiddenFill>
+            </a:ext>
+          </a:extLst>
         </p:spPr>
       </p:pic>
+      <p:sp>
+        <p:nvSpPr>
+          <p:cNvPr id="2" name="Title 1">
+            <a:extLst>
+              <a:ext uri="{FF2B5EF4-FFF2-40B4-BE49-F238E27FC236}">
+                <a16:creationId xmlns:a16="http://schemas.microsoft.com/office/drawing/2014/main" id="{35806913-C7B5-AA54-79E5-060AC2649D61}"/>
+              </a:ext>
+            </a:extLst>
+          </p:cNvPr>
+          <p:cNvSpPr>
+            <a:spLocks noGrp="1"/>
+          </p:cNvSpPr>
+          <p:nvPr>
+            <p:ph type="title"/>
+          </p:nvPr>
+        </p:nvSpPr>
+        <p:spPr/>
+        <p:txBody>
+          <a:bodyPr/>
+          <a:lstStyle/>
+          <a:p>
+            <a:r>
+              <a:rPr lang="en-US" dirty="0"/>
+              <a:t>QOS</a:t>
+            </a:r>
+            <a:endParaRPr lang="th-TH" dirty="0"/>
+          </a:p>
+        </p:txBody>
+      </p:sp>
+      <p:sp>
+        <p:nvSpPr>
+          <p:cNvPr id="3" name="TextBox 2">
+            <a:extLst>
+              <a:ext uri="{FF2B5EF4-FFF2-40B4-BE49-F238E27FC236}">
+                <a16:creationId xmlns:a16="http://schemas.microsoft.com/office/drawing/2014/main" id="{72FCA223-6886-A9DE-BC4E-5301DFE5A6CF}"/>
+              </a:ext>
+            </a:extLst>
+          </p:cNvPr>
+          <p:cNvSpPr txBox="1"/>
+          <p:nvPr/>
+        </p:nvSpPr>
+        <p:spPr>
+          <a:xfrm>
+            <a:off x="4721291" y="485191"/>
+            <a:ext cx="5318449" cy="646331"/>
+          </a:xfrm>
+          <a:prstGeom prst="rect">
+            <a:avLst/>
+          </a:prstGeom>
+          <a:noFill/>
+        </p:spPr>
+        <p:txBody>
+          <a:bodyPr wrap="square" rtlCol="0">
+            <a:spAutoFit/>
+          </a:bodyPr>
+          <a:lstStyle/>
+          <a:p>
+            <a:r>
+              <a:rPr lang="en-US" dirty="0"/>
+              <a:t>-Ros2 publish </a:t>
+            </a:r>
+            <a:r>
+              <a:rPr lang="th-TH" dirty="0"/>
+              <a:t>ข้อมูลจำนวนมากและเร็วแล้วหากไปเจอ </a:t>
+            </a:r>
+            <a:r>
+              <a:rPr lang="en-US" dirty="0"/>
+              <a:t>node to </a:t>
+            </a:r>
+            <a:r>
+              <a:rPr lang="en-US" dirty="0" err="1"/>
+              <a:t>cpu</a:t>
+            </a:r>
+            <a:r>
+              <a:rPr lang="en-US" dirty="0"/>
+              <a:t> </a:t>
+            </a:r>
+            <a:r>
+              <a:rPr lang="th-TH" dirty="0"/>
+              <a:t>ไม่ว่างมากๆเช่น</a:t>
+            </a:r>
+          </a:p>
+        </p:txBody>
+      </p:sp>
+      <p:pic>
+        <p:nvPicPr>
+          <p:cNvPr id="1026" name="Picture 2" descr="Image Types in the Toolbox - MATLAB &amp; Simulink">
+            <a:extLst>
+              <a:ext uri="{FF2B5EF4-FFF2-40B4-BE49-F238E27FC236}">
+                <a16:creationId xmlns:a16="http://schemas.microsoft.com/office/drawing/2014/main" id="{3A3D56B5-B3DA-EE87-F1B0-8723668D470C}"/>
+              </a:ext>
+            </a:extLst>
+          </p:cNvPr>
+          <p:cNvPicPr>
+            <a:picLocks noChangeAspect="1" noChangeArrowheads="1"/>
+          </p:cNvPicPr>
+          <p:nvPr/>
+        </p:nvPicPr>
+        <p:blipFill>
+          <a:blip r:embed="rId3">
+            <a:extLst>
+              <a:ext uri="{28A0092B-C50C-407E-A947-70E740481C1C}">
+                <a14:useLocalDpi xmlns:a14="http://schemas.microsoft.com/office/drawing/2010/main" val="0"/>
+              </a:ext>
+            </a:extLst>
+          </a:blip>
+          <a:srcRect/>
+          <a:stretch>
+            <a:fillRect/>
+          </a:stretch>
+        </p:blipFill>
+        <p:spPr bwMode="auto">
+          <a:xfrm>
+            <a:off x="5610186" y="4178747"/>
+            <a:ext cx="5216605" cy="1731422"/>
+          </a:xfrm>
+          <a:prstGeom prst="rect">
+            <a:avLst/>
+          </a:prstGeom>
+          <a:noFill/>
+          <a:extLst>
+            <a:ext uri="{909E8E84-426E-40DD-AFC4-6F175D3DCCD1}">
+              <a14:hiddenFill xmlns:a14="http://schemas.microsoft.com/office/drawing/2010/main">
+                <a:solidFill>
+                  <a:srgbClr val="FFFFFF"/>
+                </a:solidFill>
+              </a14:hiddenFill>
+            </a:ext>
+          </a:extLst>
+        </p:spPr>
+      </p:pic>
+      <p:pic>
+        <p:nvPicPr>
+          <p:cNvPr id="1032" name="Picture 8" descr="How do you make an Android loading icon in Illustrator? - Graphic Design  Stack Exchange | Loading icon, Icon, Picture logo">
+            <a:extLst>
+              <a:ext uri="{FF2B5EF4-FFF2-40B4-BE49-F238E27FC236}">
+                <a16:creationId xmlns:a16="http://schemas.microsoft.com/office/drawing/2014/main" id="{C937B313-6B4F-9934-F57F-0656B47EF52A}"/>
+              </a:ext>
+            </a:extLst>
+          </p:cNvPr>
+          <p:cNvPicPr>
+            <a:picLocks noChangeAspect="1" noChangeArrowheads="1"/>
+          </p:cNvPicPr>
+          <p:nvPr/>
+        </p:nvPicPr>
+        <p:blipFill rotWithShape="1">
+          <a:blip r:embed="rId4">
+            <a:extLst>
+              <a:ext uri="{BEBA8EAE-BF5A-486C-A8C5-ECC9F3942E4B}">
+                <a14:imgProps xmlns:a14="http://schemas.microsoft.com/office/drawing/2010/main">
+                  <a14:imgLayer r:embed="rId5">
+                    <a14:imgEffect>
+                      <a14:backgroundRemoval t="10000" b="90000" l="10000" r="90000">
+                        <a14:foregroundMark x1="61951" y1="51556" x2="61301" y2="45111"/>
+                        <a14:foregroundMark x1="62114" y1="48222" x2="61789" y2="40222"/>
+                        <a14:foregroundMark x1="63089" y1="51333" x2="62439" y2="46889"/>
+                        <a14:foregroundMark x1="62602" y1="50444" x2="62602" y2="46000"/>
+                        <a14:foregroundMark x1="62602" y1="47333" x2="60000" y2="39556"/>
+                        <a14:foregroundMark x1="62927" y1="51778" x2="62276" y2="44667"/>
+                        <a14:foregroundMark x1="62764" y1="51111" x2="62764" y2="48222"/>
+                        <a14:foregroundMark x1="62276" y1="50667" x2="62276" y2="50667"/>
+                        <a14:foregroundMark x1="62276" y1="50667" x2="62276" y2="49111"/>
+                        <a14:backgroundMark x1="62297" y1="45565" x2="62276" y2="45333"/>
+                        <a14:backgroundMark x1="62764" y1="50667" x2="62671" y2="49648"/>
+                      </a14:backgroundRemoval>
+                    </a14:imgEffect>
+                  </a14:imgLayer>
+                </a14:imgProps>
+              </a:ext>
+              <a:ext uri="{28A0092B-C50C-407E-A947-70E740481C1C}">
+                <a14:useLocalDpi xmlns:a14="http://schemas.microsoft.com/office/drawing/2010/main" val="0"/>
+              </a:ext>
+            </a:extLst>
+          </a:blip>
+          <a:srcRect l="27494" t="24599" r="34915" b="26639"/>
+          <a:stretch/>
+        </p:blipFill>
+        <p:spPr bwMode="auto">
+          <a:xfrm>
+            <a:off x="2332654" y="3656233"/>
+            <a:ext cx="1101011" cy="1045028"/>
+          </a:xfrm>
+          <a:prstGeom prst="rect">
+            <a:avLst/>
+          </a:prstGeom>
+          <a:noFill/>
+          <a:extLst>
+            <a:ext uri="{909E8E84-426E-40DD-AFC4-6F175D3DCCD1}">
+              <a14:hiddenFill xmlns:a14="http://schemas.microsoft.com/office/drawing/2010/main">
+                <a:solidFill>
+                  <a:srgbClr val="FFFFFF"/>
+                </a:solidFill>
+              </a14:hiddenFill>
+            </a:ext>
+          </a:extLst>
+        </p:spPr>
+      </p:pic>
+      <p:pic>
+        <p:nvPicPr>
+          <p:cNvPr id="1034" name="Picture 10" descr="RealSense Depth Camera D455 - Intel | Mouser">
+            <a:extLst>
+              <a:ext uri="{FF2B5EF4-FFF2-40B4-BE49-F238E27FC236}">
+                <a16:creationId xmlns:a16="http://schemas.microsoft.com/office/drawing/2014/main" id="{3B11DAA7-AEAC-FBF1-7832-4BFB950F6A42}"/>
+              </a:ext>
+            </a:extLst>
+          </p:cNvPr>
+          <p:cNvPicPr>
+            <a:picLocks noChangeAspect="1" noChangeArrowheads="1"/>
+          </p:cNvPicPr>
+          <p:nvPr/>
+        </p:nvPicPr>
+        <p:blipFill rotWithShape="1">
+          <a:blip r:embed="rId6">
+            <a:extLst>
+              <a:ext uri="{28A0092B-C50C-407E-A947-70E740481C1C}">
+                <a14:useLocalDpi xmlns:a14="http://schemas.microsoft.com/office/drawing/2010/main" val="0"/>
+              </a:ext>
+            </a:extLst>
+          </a:blip>
+          <a:srcRect t="23855" b="24845"/>
+          <a:stretch/>
+        </p:blipFill>
+        <p:spPr bwMode="auto">
+          <a:xfrm>
+            <a:off x="8106972" y="1850216"/>
+            <a:ext cx="2936158" cy="1094562"/>
+          </a:xfrm>
+          <a:prstGeom prst="rect">
+            <a:avLst/>
+          </a:prstGeom>
+          <a:noFill/>
+          <a:extLst>
+            <a:ext uri="{909E8E84-426E-40DD-AFC4-6F175D3DCCD1}">
+              <a14:hiddenFill xmlns:a14="http://schemas.microsoft.com/office/drawing/2010/main">
+                <a:solidFill>
+                  <a:srgbClr val="FFFFFF"/>
+                </a:solidFill>
+              </a14:hiddenFill>
+            </a:ext>
+          </a:extLst>
+        </p:spPr>
+      </p:pic>
+      <p:sp>
+        <p:nvSpPr>
+          <p:cNvPr id="4" name="TextBox 3">
+            <a:extLst>
+              <a:ext uri="{FF2B5EF4-FFF2-40B4-BE49-F238E27FC236}">
+                <a16:creationId xmlns:a16="http://schemas.microsoft.com/office/drawing/2014/main" id="{8517B6C4-2F61-EF18-E7EF-A8BFF393DE4C}"/>
+              </a:ext>
+            </a:extLst>
+          </p:cNvPr>
+          <p:cNvSpPr txBox="1"/>
+          <p:nvPr/>
+        </p:nvSpPr>
+        <p:spPr>
+          <a:xfrm>
+            <a:off x="5600148" y="3820009"/>
+            <a:ext cx="2172252" cy="369332"/>
+          </a:xfrm>
+          <a:prstGeom prst="rect">
+            <a:avLst/>
+          </a:prstGeom>
+          <a:noFill/>
+        </p:spPr>
+        <p:txBody>
+          <a:bodyPr wrap="square" rtlCol="0">
+            <a:spAutoFit/>
+          </a:bodyPr>
+          <a:lstStyle/>
+          <a:p>
+            <a:r>
+              <a:rPr lang="en-US" dirty="0"/>
+              <a:t>1280x720x3x30 fps</a:t>
+            </a:r>
+            <a:endParaRPr lang="th-TH" dirty="0"/>
+          </a:p>
+        </p:txBody>
+      </p:sp>
     </p:spTree>
     <p:extLst>
       <p:ext uri="{BB962C8B-B14F-4D97-AF65-F5344CB8AC3E}">
-        <p14:creationId xmlns:p14="http://schemas.microsoft.com/office/powerpoint/2010/main" val="542920551"/>
+        <p14:creationId xmlns:p14="http://schemas.microsoft.com/office/powerpoint/2010/main" val="2070575535"/>
       </p:ext>
     </p:extLst>
   </p:cSld>
   <p:clrMapOvr>
     <a:masterClrMapping/>
   </p:clrMapOvr>
+  <mc:AlternateContent xmlns:mc="http://schemas.openxmlformats.org/markup-compatibility/2006">
+    <mc:Choice xmlns:p159="http://schemas.microsoft.com/office/powerpoint/2015/09/main" Requires="p159">
+      <p:transition xmlns:p14="http://schemas.microsoft.com/office/powerpoint/2010/main" spd="slow" p14:dur="2000">
+        <p159:morph option="byObject"/>
+      </p:transition>
+    </mc:Choice>
+    <mc:Fallback>
+      <p:transition spd="slow">
+        <p:fade/>
+      </p:transition>
+    </mc:Fallback>
+  </mc:AlternateContent>
 </p:sld>
 </file>
 
@@ -4671,12 +7029,41 @@
           <a:chExt cx="0" cy="0"/>
         </a:xfrm>
       </p:grpSpPr>
+      <p:sp>
+        <p:nvSpPr>
+          <p:cNvPr id="2" name="Title 1">
+            <a:extLst>
+              <a:ext uri="{FF2B5EF4-FFF2-40B4-BE49-F238E27FC236}">
+                <a16:creationId xmlns:a16="http://schemas.microsoft.com/office/drawing/2014/main" id="{F211A1BA-E3AD-AEBF-787F-36E8575C5E25}"/>
+              </a:ext>
+            </a:extLst>
+          </p:cNvPr>
+          <p:cNvSpPr>
+            <a:spLocks noGrp="1"/>
+          </p:cNvSpPr>
+          <p:nvPr>
+            <p:ph type="title"/>
+          </p:nvPr>
+        </p:nvSpPr>
+        <p:spPr/>
+        <p:txBody>
+          <a:bodyPr/>
+          <a:lstStyle/>
+          <a:p>
+            <a:r>
+              <a:rPr lang="en-US" dirty="0"/>
+              <a:t>QOS</a:t>
+            </a:r>
+            <a:endParaRPr lang="th-TH" dirty="0"/>
+          </a:p>
+        </p:txBody>
+      </p:sp>
       <p:pic>
         <p:nvPicPr>
-          <p:cNvPr id="5" name="Picture 4">
+          <p:cNvPr id="7" name="Picture 6">
             <a:extLst>
               <a:ext uri="{FF2B5EF4-FFF2-40B4-BE49-F238E27FC236}">
-                <a16:creationId xmlns:a16="http://schemas.microsoft.com/office/drawing/2014/main" id="{A47D03DC-35D0-04A8-08C7-172CE24CAD17}"/>
+                <a16:creationId xmlns:a16="http://schemas.microsoft.com/office/drawing/2014/main" id="{9767AD57-C6F3-FCF8-B015-E18121E2D929}"/>
               </a:ext>
             </a:extLst>
           </p:cNvPr>
@@ -4693,24 +7080,526 @@
         </p:blipFill>
         <p:spPr>
           <a:xfrm>
-            <a:off x="2148933" y="647444"/>
-            <a:ext cx="7894134" cy="5563112"/>
+            <a:off x="1455174" y="1737360"/>
+            <a:ext cx="9281651" cy="4500498"/>
           </a:xfrm>
           <a:prstGeom prst="rect">
             <a:avLst/>
           </a:prstGeom>
         </p:spPr>
       </p:pic>
+      <p:sp>
+        <p:nvSpPr>
+          <p:cNvPr id="8" name="TextBox 7">
+            <a:extLst>
+              <a:ext uri="{FF2B5EF4-FFF2-40B4-BE49-F238E27FC236}">
+                <a16:creationId xmlns:a16="http://schemas.microsoft.com/office/drawing/2014/main" id="{72F19A0A-0330-813E-16BB-E0ACB52B013D}"/>
+              </a:ext>
+            </a:extLst>
+          </p:cNvPr>
+          <p:cNvSpPr txBox="1"/>
+          <p:nvPr/>
+        </p:nvSpPr>
+        <p:spPr>
+          <a:xfrm>
+            <a:off x="8574833" y="4711960"/>
+            <a:ext cx="1856792" cy="369332"/>
+          </a:xfrm>
+          <a:prstGeom prst="rect">
+            <a:avLst/>
+          </a:prstGeom>
+          <a:noFill/>
+        </p:spPr>
+        <p:txBody>
+          <a:bodyPr wrap="square" rtlCol="0">
+            <a:spAutoFit/>
+          </a:bodyPr>
+          <a:lstStyle/>
+          <a:p>
+            <a:r>
+              <a:rPr lang="en-US" dirty="0">
+                <a:solidFill>
+                  <a:schemeClr val="bg1"/>
+                </a:solidFill>
+              </a:rPr>
+              <a:t>Sub Node normal</a:t>
+            </a:r>
+            <a:endParaRPr lang="th-TH" dirty="0">
+              <a:solidFill>
+                <a:schemeClr val="bg1"/>
+              </a:solidFill>
+            </a:endParaRPr>
+          </a:p>
+        </p:txBody>
+      </p:sp>
+      <p:sp>
+        <p:nvSpPr>
+          <p:cNvPr id="9" name="TextBox 8">
+            <a:extLst>
+              <a:ext uri="{FF2B5EF4-FFF2-40B4-BE49-F238E27FC236}">
+                <a16:creationId xmlns:a16="http://schemas.microsoft.com/office/drawing/2014/main" id="{428C6CA1-2DB7-6DA4-4B99-C153E32E8C8A}"/>
+              </a:ext>
+            </a:extLst>
+          </p:cNvPr>
+          <p:cNvSpPr txBox="1"/>
+          <p:nvPr/>
+        </p:nvSpPr>
+        <p:spPr>
+          <a:xfrm>
+            <a:off x="8712484" y="2782669"/>
+            <a:ext cx="1856792" cy="646331"/>
+          </a:xfrm>
+          <a:prstGeom prst="rect">
+            <a:avLst/>
+          </a:prstGeom>
+          <a:noFill/>
+        </p:spPr>
+        <p:txBody>
+          <a:bodyPr wrap="square" rtlCol="0">
+            <a:spAutoFit/>
+          </a:bodyPr>
+          <a:lstStyle/>
+          <a:p>
+            <a:r>
+              <a:rPr lang="en-US" dirty="0">
+                <a:solidFill>
+                  <a:schemeClr val="bg1"/>
+                </a:solidFill>
+              </a:rPr>
+              <a:t>Sub Node with time sleep</a:t>
+            </a:r>
+            <a:endParaRPr lang="th-TH" dirty="0">
+              <a:solidFill>
+                <a:schemeClr val="bg1"/>
+              </a:solidFill>
+            </a:endParaRPr>
+          </a:p>
+        </p:txBody>
+      </p:sp>
     </p:spTree>
     <p:extLst>
       <p:ext uri="{BB962C8B-B14F-4D97-AF65-F5344CB8AC3E}">
-        <p14:creationId xmlns:p14="http://schemas.microsoft.com/office/powerpoint/2010/main" val="3015849376"/>
+        <p14:creationId xmlns:p14="http://schemas.microsoft.com/office/powerpoint/2010/main" val="1470448617"/>
       </p:ext>
     </p:extLst>
   </p:cSld>
   <p:clrMapOvr>
     <a:masterClrMapping/>
   </p:clrMapOvr>
+  <mc:AlternateContent xmlns:mc="http://schemas.openxmlformats.org/markup-compatibility/2006">
+    <mc:Choice xmlns:p159="http://schemas.microsoft.com/office/powerpoint/2015/09/main" Requires="p159">
+      <p:transition xmlns:p14="http://schemas.microsoft.com/office/powerpoint/2010/main" spd="slow" p14:dur="2000">
+        <p159:morph option="byObject"/>
+      </p:transition>
+    </mc:Choice>
+    <mc:Fallback>
+      <p:transition spd="slow">
+        <p:fade/>
+      </p:transition>
+    </mc:Fallback>
+  </mc:AlternateContent>
+</p:sld>
+</file>
+
+<file path=ppt/slides/slide6.xml><?xml version="1.0" encoding="utf-8"?>
+<p:sld xmlns:a="http://schemas.openxmlformats.org/drawingml/2006/main" xmlns:r="http://schemas.openxmlformats.org/officeDocument/2006/relationships" xmlns:p="http://schemas.openxmlformats.org/presentationml/2006/main">
+  <p:cSld>
+    <p:spTree>
+      <p:nvGrpSpPr>
+        <p:cNvPr id="1" name=""/>
+        <p:cNvGrpSpPr/>
+        <p:nvPr/>
+      </p:nvGrpSpPr>
+      <p:grpSpPr>
+        <a:xfrm>
+          <a:off x="0" y="0"/>
+          <a:ext cx="0" cy="0"/>
+          <a:chOff x="0" y="0"/>
+          <a:chExt cx="0" cy="0"/>
+        </a:xfrm>
+      </p:grpSpPr>
+      <p:sp>
+        <p:nvSpPr>
+          <p:cNvPr id="2" name="Title 1">
+            <a:extLst>
+              <a:ext uri="{FF2B5EF4-FFF2-40B4-BE49-F238E27FC236}">
+                <a16:creationId xmlns:a16="http://schemas.microsoft.com/office/drawing/2014/main" id="{AD6C8C41-CB75-AEE7-FF77-07DB452BEE6D}"/>
+              </a:ext>
+            </a:extLst>
+          </p:cNvPr>
+          <p:cNvSpPr>
+            <a:spLocks noGrp="1"/>
+          </p:cNvSpPr>
+          <p:nvPr>
+            <p:ph type="title"/>
+          </p:nvPr>
+        </p:nvSpPr>
+        <p:spPr/>
+        <p:txBody>
+          <a:bodyPr/>
+          <a:lstStyle/>
+          <a:p>
+            <a:r>
+              <a:rPr lang="en-US" dirty="0"/>
+              <a:t>QOS</a:t>
+            </a:r>
+            <a:endParaRPr lang="th-TH" dirty="0"/>
+          </a:p>
+        </p:txBody>
+      </p:sp>
+      <p:pic>
+        <p:nvPicPr>
+          <p:cNvPr id="10" name="Picture 9">
+            <a:extLst>
+              <a:ext uri="{FF2B5EF4-FFF2-40B4-BE49-F238E27FC236}">
+                <a16:creationId xmlns:a16="http://schemas.microsoft.com/office/drawing/2014/main" id="{9A711C9B-35D6-D4B6-C50A-01C7A886E932}"/>
+              </a:ext>
+            </a:extLst>
+          </p:cNvPr>
+          <p:cNvPicPr>
+            <a:picLocks noChangeAspect="1"/>
+          </p:cNvPicPr>
+          <p:nvPr/>
+        </p:nvPicPr>
+        <p:blipFill rotWithShape="1">
+          <a:blip r:embed="rId2"/>
+          <a:srcRect l="29206" t="12053"/>
+          <a:stretch/>
+        </p:blipFill>
+        <p:spPr>
+          <a:xfrm>
+            <a:off x="4028817" y="1468194"/>
+            <a:ext cx="4719484" cy="4805814"/>
+          </a:xfrm>
+          <a:prstGeom prst="rect">
+            <a:avLst/>
+          </a:prstGeom>
+        </p:spPr>
+      </p:pic>
+    </p:spTree>
+    <p:extLst>
+      <p:ext uri="{BB962C8B-B14F-4D97-AF65-F5344CB8AC3E}">
+        <p14:creationId xmlns:p14="http://schemas.microsoft.com/office/powerpoint/2010/main" val="3091889604"/>
+      </p:ext>
+    </p:extLst>
+  </p:cSld>
+  <p:clrMapOvr>
+    <a:masterClrMapping/>
+  </p:clrMapOvr>
+  <mc:AlternateContent xmlns:mc="http://schemas.openxmlformats.org/markup-compatibility/2006">
+    <mc:Choice xmlns:p159="http://schemas.microsoft.com/office/powerpoint/2015/09/main" Requires="p159">
+      <p:transition xmlns:p14="http://schemas.microsoft.com/office/powerpoint/2010/main" spd="slow" p14:dur="2000">
+        <p159:morph option="byObject"/>
+      </p:transition>
+    </mc:Choice>
+    <mc:Fallback>
+      <p:transition spd="slow">
+        <p:fade/>
+      </p:transition>
+    </mc:Fallback>
+  </mc:AlternateContent>
+</p:sld>
+</file>
+
+<file path=ppt/slides/slide7.xml><?xml version="1.0" encoding="utf-8"?>
+<p:sld xmlns:a="http://schemas.openxmlformats.org/drawingml/2006/main" xmlns:r="http://schemas.openxmlformats.org/officeDocument/2006/relationships" xmlns:p="http://schemas.openxmlformats.org/presentationml/2006/main">
+  <p:cSld>
+    <p:spTree>
+      <p:nvGrpSpPr>
+        <p:cNvPr id="1" name=""/>
+        <p:cNvGrpSpPr/>
+        <p:nvPr/>
+      </p:nvGrpSpPr>
+      <p:grpSpPr>
+        <a:xfrm>
+          <a:off x="0" y="0"/>
+          <a:ext cx="0" cy="0"/>
+          <a:chOff x="0" y="0"/>
+          <a:chExt cx="0" cy="0"/>
+        </a:xfrm>
+      </p:grpSpPr>
+      <p:sp>
+        <p:nvSpPr>
+          <p:cNvPr id="2" name="Title 1">
+            <a:extLst>
+              <a:ext uri="{FF2B5EF4-FFF2-40B4-BE49-F238E27FC236}">
+                <a16:creationId xmlns:a16="http://schemas.microsoft.com/office/drawing/2014/main" id="{9ECD1678-822A-0F85-4662-6848746F7100}"/>
+              </a:ext>
+            </a:extLst>
+          </p:cNvPr>
+          <p:cNvSpPr>
+            <a:spLocks noGrp="1"/>
+          </p:cNvSpPr>
+          <p:nvPr>
+            <p:ph type="title"/>
+          </p:nvPr>
+        </p:nvSpPr>
+        <p:spPr/>
+        <p:txBody>
+          <a:bodyPr/>
+          <a:lstStyle/>
+          <a:p>
+            <a:r>
+              <a:rPr lang="en-US" dirty="0"/>
+              <a:t>QOS</a:t>
+            </a:r>
+            <a:endParaRPr lang="th-TH" dirty="0"/>
+          </a:p>
+        </p:txBody>
+      </p:sp>
+      <p:pic>
+        <p:nvPicPr>
+          <p:cNvPr id="5" name="Picture 4">
+            <a:extLst>
+              <a:ext uri="{FF2B5EF4-FFF2-40B4-BE49-F238E27FC236}">
+                <a16:creationId xmlns:a16="http://schemas.microsoft.com/office/drawing/2014/main" id="{5D674E12-5723-8B09-8CA4-4E43240AAA22}"/>
+              </a:ext>
+            </a:extLst>
+          </p:cNvPr>
+          <p:cNvPicPr>
+            <a:picLocks noChangeAspect="1"/>
+          </p:cNvPicPr>
+          <p:nvPr/>
+        </p:nvPicPr>
+        <p:blipFill>
+          <a:blip r:embed="rId2"/>
+          <a:stretch>
+            <a:fillRect/>
+          </a:stretch>
+        </p:blipFill>
+        <p:spPr>
+          <a:xfrm>
+            <a:off x="1780622" y="1845734"/>
+            <a:ext cx="8691716" cy="4227892"/>
+          </a:xfrm>
+          <a:prstGeom prst="rect">
+            <a:avLst/>
+          </a:prstGeom>
+        </p:spPr>
+      </p:pic>
+    </p:spTree>
+    <p:extLst>
+      <p:ext uri="{BB962C8B-B14F-4D97-AF65-F5344CB8AC3E}">
+        <p14:creationId xmlns:p14="http://schemas.microsoft.com/office/powerpoint/2010/main" val="2630135421"/>
+      </p:ext>
+    </p:extLst>
+  </p:cSld>
+  <p:clrMapOvr>
+    <a:masterClrMapping/>
+  </p:clrMapOvr>
+  <mc:AlternateContent xmlns:mc="http://schemas.openxmlformats.org/markup-compatibility/2006">
+    <mc:Choice xmlns:p159="http://schemas.microsoft.com/office/powerpoint/2015/09/main" Requires="p159">
+      <p:transition xmlns:p14="http://schemas.microsoft.com/office/powerpoint/2010/main" spd="slow" p14:dur="2000">
+        <p159:morph option="byObject"/>
+      </p:transition>
+    </mc:Choice>
+    <mc:Fallback>
+      <p:transition spd="slow">
+        <p:fade/>
+      </p:transition>
+    </mc:Fallback>
+  </mc:AlternateContent>
+</p:sld>
+</file>
+
+<file path=ppt/slides/slide8.xml><?xml version="1.0" encoding="utf-8"?>
+<p:sld xmlns:a="http://schemas.openxmlformats.org/drawingml/2006/main" xmlns:r="http://schemas.openxmlformats.org/officeDocument/2006/relationships" xmlns:p="http://schemas.openxmlformats.org/presentationml/2006/main">
+  <p:cSld>
+    <p:spTree>
+      <p:nvGrpSpPr>
+        <p:cNvPr id="1" name=""/>
+        <p:cNvGrpSpPr/>
+        <p:nvPr/>
+      </p:nvGrpSpPr>
+      <p:grpSpPr>
+        <a:xfrm>
+          <a:off x="0" y="0"/>
+          <a:ext cx="0" cy="0"/>
+          <a:chOff x="0" y="0"/>
+          <a:chExt cx="0" cy="0"/>
+        </a:xfrm>
+      </p:grpSpPr>
+      <p:sp>
+        <p:nvSpPr>
+          <p:cNvPr id="2" name="Title 1">
+            <a:extLst>
+              <a:ext uri="{FF2B5EF4-FFF2-40B4-BE49-F238E27FC236}">
+                <a16:creationId xmlns:a16="http://schemas.microsoft.com/office/drawing/2014/main" id="{AD6C8C41-CB75-AEE7-FF77-07DB452BEE6D}"/>
+              </a:ext>
+            </a:extLst>
+          </p:cNvPr>
+          <p:cNvSpPr>
+            <a:spLocks noGrp="1"/>
+          </p:cNvSpPr>
+          <p:nvPr>
+            <p:ph type="title"/>
+          </p:nvPr>
+        </p:nvSpPr>
+        <p:spPr/>
+        <p:txBody>
+          <a:bodyPr/>
+          <a:lstStyle/>
+          <a:p>
+            <a:r>
+              <a:rPr lang="en-US" dirty="0"/>
+              <a:t>Node detection</a:t>
+            </a:r>
+            <a:endParaRPr lang="th-TH" dirty="0"/>
+          </a:p>
+        </p:txBody>
+      </p:sp>
+      <p:pic>
+        <p:nvPicPr>
+          <p:cNvPr id="17" name="Picture 16">
+            <a:extLst>
+              <a:ext uri="{FF2B5EF4-FFF2-40B4-BE49-F238E27FC236}">
+                <a16:creationId xmlns:a16="http://schemas.microsoft.com/office/drawing/2014/main" id="{099CCF67-3B87-4911-0280-06A79771860C}"/>
+              </a:ext>
+            </a:extLst>
+          </p:cNvPr>
+          <p:cNvPicPr>
+            <a:picLocks noChangeAspect="1"/>
+          </p:cNvPicPr>
+          <p:nvPr/>
+        </p:nvPicPr>
+        <p:blipFill>
+          <a:blip r:embed="rId2"/>
+          <a:stretch>
+            <a:fillRect/>
+          </a:stretch>
+        </p:blipFill>
+        <p:spPr>
+          <a:xfrm>
+            <a:off x="0" y="2348738"/>
+            <a:ext cx="12192000" cy="2160523"/>
+          </a:xfrm>
+          <a:prstGeom prst="rect">
+            <a:avLst/>
+          </a:prstGeom>
+        </p:spPr>
+      </p:pic>
+    </p:spTree>
+    <p:extLst>
+      <p:ext uri="{BB962C8B-B14F-4D97-AF65-F5344CB8AC3E}">
+        <p14:creationId xmlns:p14="http://schemas.microsoft.com/office/powerpoint/2010/main" val="1204818277"/>
+      </p:ext>
+    </p:extLst>
+  </p:cSld>
+  <p:clrMapOvr>
+    <a:masterClrMapping/>
+  </p:clrMapOvr>
+  <mc:AlternateContent xmlns:mc="http://schemas.openxmlformats.org/markup-compatibility/2006">
+    <mc:Choice xmlns:p159="http://schemas.microsoft.com/office/powerpoint/2015/09/main" Requires="p159">
+      <p:transition xmlns:p14="http://schemas.microsoft.com/office/powerpoint/2010/main" spd="slow" p14:dur="2000">
+        <p159:morph option="byObject"/>
+      </p:transition>
+    </mc:Choice>
+    <mc:Fallback>
+      <p:transition spd="slow">
+        <p:fade/>
+      </p:transition>
+    </mc:Fallback>
+  </mc:AlternateContent>
+</p:sld>
+</file>
+
+<file path=ppt/slides/slide9.xml><?xml version="1.0" encoding="utf-8"?>
+<p:sld xmlns:a="http://schemas.openxmlformats.org/drawingml/2006/main" xmlns:r="http://schemas.openxmlformats.org/officeDocument/2006/relationships" xmlns:p="http://schemas.openxmlformats.org/presentationml/2006/main">
+  <p:cSld>
+    <p:spTree>
+      <p:nvGrpSpPr>
+        <p:cNvPr id="1" name=""/>
+        <p:cNvGrpSpPr/>
+        <p:nvPr/>
+      </p:nvGrpSpPr>
+      <p:grpSpPr>
+        <a:xfrm>
+          <a:off x="0" y="0"/>
+          <a:ext cx="0" cy="0"/>
+          <a:chOff x="0" y="0"/>
+          <a:chExt cx="0" cy="0"/>
+        </a:xfrm>
+      </p:grpSpPr>
+      <p:sp>
+        <p:nvSpPr>
+          <p:cNvPr id="2" name="Title 1">
+            <a:extLst>
+              <a:ext uri="{FF2B5EF4-FFF2-40B4-BE49-F238E27FC236}">
+                <a16:creationId xmlns:a16="http://schemas.microsoft.com/office/drawing/2014/main" id="{6CDC48FA-1B3B-8EB1-4940-46C4B2FCBA21}"/>
+              </a:ext>
+            </a:extLst>
+          </p:cNvPr>
+          <p:cNvSpPr>
+            <a:spLocks noGrp="1"/>
+          </p:cNvSpPr>
+          <p:nvPr>
+            <p:ph type="title"/>
+          </p:nvPr>
+        </p:nvSpPr>
+        <p:spPr/>
+        <p:txBody>
+          <a:bodyPr/>
+          <a:lstStyle/>
+          <a:p>
+            <a:r>
+              <a:rPr lang="en-US" dirty="0"/>
+              <a:t>Node detection</a:t>
+            </a:r>
+            <a:endParaRPr lang="th-TH" dirty="0"/>
+          </a:p>
+        </p:txBody>
+      </p:sp>
+      <p:pic>
+        <p:nvPicPr>
+          <p:cNvPr id="5" name="Content Placeholder 4">
+            <a:extLst>
+              <a:ext uri="{FF2B5EF4-FFF2-40B4-BE49-F238E27FC236}">
+                <a16:creationId xmlns:a16="http://schemas.microsoft.com/office/drawing/2014/main" id="{E7571FBA-5125-187E-A9D9-86AD88C10DF7}"/>
+              </a:ext>
+            </a:extLst>
+          </p:cNvPr>
+          <p:cNvPicPr>
+            <a:picLocks noGrp="1" noChangeAspect="1"/>
+          </p:cNvPicPr>
+          <p:nvPr>
+            <p:ph idx="1"/>
+          </p:nvPr>
+        </p:nvPicPr>
+        <p:blipFill>
+          <a:blip r:embed="rId2"/>
+          <a:stretch>
+            <a:fillRect/>
+          </a:stretch>
+        </p:blipFill>
+        <p:spPr>
+          <a:xfrm>
+            <a:off x="2958391" y="1846263"/>
+            <a:ext cx="6335544" cy="4022725"/>
+          </a:xfrm>
+        </p:spPr>
+      </p:pic>
+    </p:spTree>
+    <p:extLst>
+      <p:ext uri="{BB962C8B-B14F-4D97-AF65-F5344CB8AC3E}">
+        <p14:creationId xmlns:p14="http://schemas.microsoft.com/office/powerpoint/2010/main" val="2158839472"/>
+      </p:ext>
+    </p:extLst>
+  </p:cSld>
+  <p:clrMapOvr>
+    <a:masterClrMapping/>
+  </p:clrMapOvr>
+  <mc:AlternateContent xmlns:mc="http://schemas.openxmlformats.org/markup-compatibility/2006">
+    <mc:Choice xmlns:p159="http://schemas.microsoft.com/office/powerpoint/2015/09/main" Requires="p159">
+      <p:transition xmlns:p14="http://schemas.microsoft.com/office/powerpoint/2010/main" spd="slow" p14:dur="2000">
+        <p159:morph option="byObject"/>
+      </p:transition>
+    </mc:Choice>
+    <mc:Fallback>
+      <p:transition spd="slow">
+        <p:fade/>
+      </p:transition>
+    </mc:Fallback>
+  </mc:AlternateContent>
 </p:sld>
 </file>
 
